--- a/IOARR.pptx
+++ b/IOARR.pptx
@@ -5,7 +5,7 @@
     <p:sldMasterId id="2147483690" r:id="rId1"/>
   </p:sldMasterIdLst>
   <p:notesMasterIdLst>
-    <p:notesMasterId r:id="rId15"/>
+    <p:notesMasterId r:id="rId16"/>
   </p:notesMasterIdLst>
   <p:sldIdLst>
     <p:sldId id="351" r:id="rId2"/>
@@ -19,8 +19,9 @@
     <p:sldId id="368" r:id="rId10"/>
     <p:sldId id="370" r:id="rId11"/>
     <p:sldId id="371" r:id="rId12"/>
-    <p:sldId id="372" r:id="rId13"/>
-    <p:sldId id="364" r:id="rId14"/>
+    <p:sldId id="373" r:id="rId13"/>
+    <p:sldId id="372" r:id="rId14"/>
+    <p:sldId id="364" r:id="rId15"/>
   </p:sldIdLst>
   <p:sldSz cx="12192000" cy="6858000"/>
   <p:notesSz cx="6858000" cy="9144000"/>
@@ -3845,7 +3846,7 @@
           <a:p>
             <a:fld id="{3A7985F4-B8CC-48A5-B619-C986ABA454E5}" type="datetimeFigureOut">
               <a:rPr lang="es-PE" smtClean="0"/>
-              <a:t>9/07/2020</a:t>
+              <a:t>13/07/2020</a:t>
             </a:fld>
             <a:endParaRPr lang="es-PE"/>
           </a:p>
@@ -4213,6 +4214,115 @@
     <p:extLst>
       <p:ext uri="{BB962C8B-B14F-4D97-AF65-F5344CB8AC3E}">
         <p14:creationId xmlns:p14="http://schemas.microsoft.com/office/powerpoint/2010/main" val="1889813137"/>
+      </p:ext>
+    </p:extLst>
+  </p:cSld>
+  <p:clrMapOvr>
+    <a:masterClrMapping/>
+  </p:clrMapOvr>
+</p:notes>
+</file>
+
+<file path=ppt/notesSlides/notesSlide10.xml><?xml version="1.0" encoding="utf-8"?>
+<p:notes xmlns:a="http://schemas.openxmlformats.org/drawingml/2006/main" xmlns:r="http://schemas.openxmlformats.org/officeDocument/2006/relationships" xmlns:p="http://schemas.openxmlformats.org/presentationml/2006/main" showMasterSp="0" showMasterPhAnim="0">
+  <p:cSld>
+    <p:spTree>
+      <p:nvGrpSpPr>
+        <p:cNvPr id="1" name="Shape 91"/>
+        <p:cNvGrpSpPr/>
+        <p:nvPr/>
+      </p:nvGrpSpPr>
+      <p:grpSpPr>
+        <a:xfrm>
+          <a:off x="0" y="0"/>
+          <a:ext cx="0" cy="0"/>
+          <a:chOff x="0" y="0"/>
+          <a:chExt cx="0" cy="0"/>
+        </a:xfrm>
+      </p:grpSpPr>
+      <p:sp>
+        <p:nvSpPr>
+          <p:cNvPr id="92" name="Google Shape;92;g3606f1c2d_30:notes"/>
+          <p:cNvSpPr>
+            <a:spLocks noGrp="1" noRot="1" noChangeAspect="1"/>
+          </p:cNvSpPr>
+          <p:nvPr>
+            <p:ph type="sldImg" idx="2"/>
+          </p:nvPr>
+        </p:nvSpPr>
+        <p:spPr>
+          <a:xfrm>
+            <a:off x="381000" y="685800"/>
+            <a:ext cx="6096000" cy="3429000"/>
+          </a:xfrm>
+          <a:custGeom>
+            <a:avLst/>
+            <a:gdLst/>
+            <a:ahLst/>
+            <a:cxnLst/>
+            <a:rect l="l" t="t" r="r" b="b"/>
+            <a:pathLst>
+              <a:path w="120000" h="120000" extrusionOk="0">
+                <a:moveTo>
+                  <a:pt x="0" y="0"/>
+                </a:moveTo>
+                <a:lnTo>
+                  <a:pt x="120000" y="0"/>
+                </a:lnTo>
+                <a:lnTo>
+                  <a:pt x="120000" y="120000"/>
+                </a:lnTo>
+                <a:lnTo>
+                  <a:pt x="0" y="120000"/>
+                </a:lnTo>
+                <a:close/>
+              </a:path>
+            </a:pathLst>
+          </a:custGeom>
+        </p:spPr>
+      </p:sp>
+      <p:sp>
+        <p:nvSpPr>
+          <p:cNvPr id="93" name="Google Shape;93;g3606f1c2d_30:notes"/>
+          <p:cNvSpPr txBox="1">
+            <a:spLocks noGrp="1"/>
+          </p:cNvSpPr>
+          <p:nvPr>
+            <p:ph type="body" idx="1"/>
+          </p:nvPr>
+        </p:nvSpPr>
+        <p:spPr>
+          <a:xfrm>
+            <a:off x="685800" y="4343400"/>
+            <a:ext cx="5486400" cy="4114800"/>
+          </a:xfrm>
+          <a:prstGeom prst="rect">
+            <a:avLst/>
+          </a:prstGeom>
+        </p:spPr>
+        <p:txBody>
+          <a:bodyPr spcFirstLastPara="1" wrap="square" lIns="91425" tIns="91425" rIns="91425" bIns="91425" anchor="t" anchorCtr="0">
+            <a:noAutofit/>
+          </a:bodyPr>
+          <a:lstStyle/>
+          <a:p>
+            <a:pPr marL="0" lvl="0" indent="0" algn="l" rtl="0">
+              <a:spcBef>
+                <a:spcPts val="0"/>
+              </a:spcBef>
+              <a:spcAft>
+                <a:spcPts val="0"/>
+              </a:spcAft>
+              <a:buNone/>
+            </a:pPr>
+            <a:endParaRPr dirty="0"/>
+          </a:p>
+        </p:txBody>
+      </p:sp>
+    </p:spTree>
+    <p:extLst>
+      <p:ext uri="{BB962C8B-B14F-4D97-AF65-F5344CB8AC3E}">
+        <p14:creationId xmlns:p14="http://schemas.microsoft.com/office/powerpoint/2010/main" val="3645529738"/>
       </p:ext>
     </p:extLst>
   </p:cSld>
@@ -5084,7 +5194,7 @@
     </p:spTree>
     <p:extLst>
       <p:ext uri="{BB962C8B-B14F-4D97-AF65-F5344CB8AC3E}">
-        <p14:creationId xmlns:p14="http://schemas.microsoft.com/office/powerpoint/2010/main" val="3645529738"/>
+        <p14:creationId xmlns:p14="http://schemas.microsoft.com/office/powerpoint/2010/main" val="1049016603"/>
       </p:ext>
     </p:extLst>
   </p:cSld>
@@ -5320,7 +5430,7 @@
           <a:p>
             <a:fld id="{84DE248C-07F7-42E3-8283-42E2516C9C01}" type="datetimeFigureOut">
               <a:rPr lang="es-PE" smtClean="0"/>
-              <a:t>9/07/2020</a:t>
+              <a:t>13/07/2020</a:t>
             </a:fld>
             <a:endParaRPr lang="es-PE"/>
           </a:p>
@@ -5528,7 +5638,7 @@
           <a:p>
             <a:fld id="{84DE248C-07F7-42E3-8283-42E2516C9C01}" type="datetimeFigureOut">
               <a:rPr lang="es-PE" smtClean="0"/>
-              <a:t>9/07/2020</a:t>
+              <a:t>13/07/2020</a:t>
             </a:fld>
             <a:endParaRPr lang="es-PE"/>
           </a:p>
@@ -5784,7 +5894,7 @@
           <a:p>
             <a:fld id="{84DE248C-07F7-42E3-8283-42E2516C9C01}" type="datetimeFigureOut">
               <a:rPr lang="es-PE" smtClean="0"/>
-              <a:t>9/07/2020</a:t>
+              <a:t>13/07/2020</a:t>
             </a:fld>
             <a:endParaRPr lang="es-PE"/>
           </a:p>
@@ -6446,7 +6556,7 @@
           <a:p>
             <a:fld id="{84DE248C-07F7-42E3-8283-42E2516C9C01}" type="datetimeFigureOut">
               <a:rPr lang="es-PE" smtClean="0"/>
-              <a:t>9/07/2020</a:t>
+              <a:t>13/07/2020</a:t>
             </a:fld>
             <a:endParaRPr lang="es-PE"/>
           </a:p>
@@ -6789,7 +6899,7 @@
           <a:p>
             <a:fld id="{84DE248C-07F7-42E3-8283-42E2516C9C01}" type="datetimeFigureOut">
               <a:rPr lang="es-PE" smtClean="0"/>
-              <a:t>9/07/2020</a:t>
+              <a:t>13/07/2020</a:t>
             </a:fld>
             <a:endParaRPr lang="es-PE"/>
           </a:p>
@@ -7064,7 +7174,7 @@
           <a:p>
             <a:fld id="{84DE248C-07F7-42E3-8283-42E2516C9C01}" type="datetimeFigureOut">
               <a:rPr lang="es-PE" smtClean="0"/>
-              <a:t>9/07/2020</a:t>
+              <a:t>13/07/2020</a:t>
             </a:fld>
             <a:endParaRPr lang="es-PE"/>
           </a:p>
@@ -7443,7 +7553,7 @@
           <a:p>
             <a:fld id="{84DE248C-07F7-42E3-8283-42E2516C9C01}" type="datetimeFigureOut">
               <a:rPr lang="es-PE" smtClean="0"/>
-              <a:t>9/07/2020</a:t>
+              <a:t>13/07/2020</a:t>
             </a:fld>
             <a:endParaRPr lang="es-PE"/>
           </a:p>
@@ -7561,7 +7671,7 @@
           <a:p>
             <a:fld id="{84DE248C-07F7-42E3-8283-42E2516C9C01}" type="datetimeFigureOut">
               <a:rPr lang="es-PE" smtClean="0"/>
-              <a:t>9/07/2020</a:t>
+              <a:t>13/07/2020</a:t>
             </a:fld>
             <a:endParaRPr lang="es-PE"/>
           </a:p>
@@ -7732,7 +7842,7 @@
           <a:p>
             <a:fld id="{84DE248C-07F7-42E3-8283-42E2516C9C01}" type="datetimeFigureOut">
               <a:rPr lang="es-PE" smtClean="0"/>
-              <a:t>9/07/2020</a:t>
+              <a:t>13/07/2020</a:t>
             </a:fld>
             <a:endParaRPr lang="es-PE"/>
           </a:p>
@@ -8086,7 +8196,7 @@
           <a:p>
             <a:fld id="{84DE248C-07F7-42E3-8283-42E2516C9C01}" type="datetimeFigureOut">
               <a:rPr lang="es-PE" smtClean="0"/>
-              <a:t>9/07/2020</a:t>
+              <a:t>13/07/2020</a:t>
             </a:fld>
             <a:endParaRPr lang="es-PE"/>
           </a:p>
@@ -8468,7 +8578,7 @@
           <a:p>
             <a:fld id="{84DE248C-07F7-42E3-8283-42E2516C9C01}" type="datetimeFigureOut">
               <a:rPr lang="es-PE" smtClean="0"/>
-              <a:t>9/07/2020</a:t>
+              <a:t>13/07/2020</a:t>
             </a:fld>
             <a:endParaRPr lang="es-PE"/>
           </a:p>
@@ -8755,7 +8865,7 @@
           <a:p>
             <a:fld id="{84DE248C-07F7-42E3-8283-42E2516C9C01}" type="datetimeFigureOut">
               <a:rPr lang="es-PE" smtClean="0"/>
-              <a:t>9/07/2020</a:t>
+              <a:t>13/07/2020</a:t>
             </a:fld>
             <a:endParaRPr lang="es-PE"/>
           </a:p>
@@ -9822,12 +9932,12 @@
                     <a:p>
                       <a:pPr algn="l" fontAlgn="b"/>
                       <a:r>
-                        <a:rPr lang="es-MX" sz="1200" u="none" strike="noStrike">
+                        <a:rPr lang="es-MX" sz="1200" u="none" strike="noStrike" dirty="0">
                           <a:effectLst/>
                         </a:rPr>
                         <a:t>ADQUISICION DE MONITOR MULTI PARAMETRO, CAMA CLINICA RODABLE, ASPIRADOR DE SECRECIONES Y PULSIOXIMETRO; ADEMÁS DE OTROS ACTIVOS EN EL(LA) EESS CHALHUANCA - CHALHUANCA DISTRITO DE CHALHUANCA, PROVINCIA AYMARAES, DEPARTAMENTO APURIMAC</a:t>
                       </a:r>
-                      <a:endParaRPr lang="es-MX" sz="1200" b="0" i="0" u="none" strike="noStrike">
+                      <a:endParaRPr lang="es-MX" sz="1200" b="0" i="0" u="none" strike="noStrike" dirty="0">
                         <a:solidFill>
                           <a:srgbClr val="000000"/>
                         </a:solidFill>
@@ -10724,14 +10834,14 @@
           <p:nvPr>
             <p:extLst>
               <p:ext uri="{D42A27DB-BD31-4B8C-83A1-F6EECF244321}">
-                <p14:modId xmlns:p14="http://schemas.microsoft.com/office/powerpoint/2010/main" val="2245905144"/>
+                <p14:modId xmlns:p14="http://schemas.microsoft.com/office/powerpoint/2010/main" val="1028821287"/>
               </p:ext>
             </p:extLst>
           </p:nvPr>
         </p:nvGraphicFramePr>
         <p:xfrm>
-          <a:off x="234778" y="308919"/>
-          <a:ext cx="11788346" cy="5980673"/>
+          <a:off x="234778" y="278297"/>
+          <a:ext cx="11788346" cy="6011296"/>
         </p:xfrm>
         <a:graphic>
           <a:graphicData uri="http://schemas.openxmlformats.org/drawingml/2006/table">
@@ -10790,7 +10900,7 @@
                   </a:extLst>
                 </a:gridCol>
               </a:tblGrid>
-              <a:tr h="659465">
+              <a:tr h="662842">
                 <a:tc gridSpan="7">
                   <a:txBody>
                     <a:bodyPr/>
@@ -10798,7 +10908,7 @@
                     <a:p>
                       <a:pPr algn="ctr" fontAlgn="ctr"/>
                       <a:r>
-                        <a:rPr lang="es-MX" sz="1600" b="1" u="none" strike="noStrike" dirty="0">
+                        <a:rPr lang="es-MX" sz="1400" b="1" u="none" strike="noStrike" dirty="0">
                           <a:solidFill>
                             <a:schemeClr val="tx1"/>
                           </a:solidFill>
@@ -10807,7 +10917,7 @@
                         <a:t>LISTADO DE INVERSIONES DE OPTIMIZACIÓN, AMPLIACIÓN MARGINAL, REPOSICIÓN Y REHABILITACIÓN - IOARR PROGRAMADOS AÑO 2020</a:t>
                       </a:r>
                       <a:br>
-                        <a:rPr lang="es-MX" sz="1600" b="1" u="none" strike="noStrike" dirty="0">
+                        <a:rPr lang="es-MX" sz="1400" b="1" u="none" strike="noStrike" dirty="0">
                           <a:solidFill>
                             <a:schemeClr val="tx1"/>
                           </a:solidFill>
@@ -10815,7 +10925,7 @@
                         </a:rPr>
                       </a:br>
                       <a:r>
-                        <a:rPr lang="es-MX" sz="1600" b="1" u="none" strike="noStrike" dirty="0">
+                        <a:rPr lang="es-MX" sz="1400" b="1" u="none" strike="noStrike" dirty="0">
                           <a:solidFill>
                             <a:schemeClr val="tx1"/>
                           </a:solidFill>
@@ -10823,7 +10933,7 @@
                         </a:rPr>
                         <a:t> (EN FORMULACIÓN)</a:t>
                       </a:r>
-                      <a:endParaRPr lang="es-MX" sz="1600" b="1" i="0" u="none" strike="noStrike" dirty="0">
+                      <a:endParaRPr lang="es-MX" sz="1400" b="1" i="0" u="none" strike="noStrike" dirty="0">
                         <a:solidFill>
                           <a:schemeClr val="tx1"/>
                         </a:solidFill>
@@ -10900,7 +11010,7 @@
                   </a:ext>
                 </a:extLst>
               </a:tr>
-              <a:tr h="886868">
+              <a:tr h="891409">
                 <a:tc>
                   <a:txBody>
                     <a:bodyPr/>
@@ -10908,20 +11018,112 @@
                     <a:p>
                       <a:pPr algn="ctr" fontAlgn="b"/>
                       <a:r>
+                        <a:rPr lang="es-PE" sz="1100" u="none" strike="noStrike" dirty="0">
+                          <a:effectLst/>
+                        </a:rPr>
+                        <a:t>11</a:t>
+                      </a:r>
+                      <a:endParaRPr lang="es-PE" sz="1100" b="0" i="0" u="none" strike="noStrike" dirty="0">
+                        <a:solidFill>
+                          <a:srgbClr val="000000"/>
+                        </a:solidFill>
+                        <a:effectLst/>
+                        <a:latin typeface="Calibri" panose="020F0502020204030204" pitchFamily="34" charset="0"/>
+                      </a:endParaRPr>
+                    </a:p>
+                  </a:txBody>
+                  <a:tcPr marL="7620" marR="7620" marT="7620" marB="0" anchor="b"/>
+                </a:tc>
+                <a:tc>
+                  <a:txBody>
+                    <a:bodyPr/>
+                    <a:lstStyle/>
+                    <a:p>
+                      <a:pPr algn="l" fontAlgn="b"/>
+                      <a:r>
+                        <a:rPr lang="es-PE" sz="1800" u="none" strike="noStrike">
+                          <a:effectLst/>
+                        </a:rPr>
+                        <a:t> </a:t>
+                      </a:r>
+                      <a:endParaRPr lang="es-PE" sz="1800" b="0" i="0" u="none" strike="noStrike">
+                        <a:solidFill>
+                          <a:srgbClr val="000000"/>
+                        </a:solidFill>
+                        <a:effectLst/>
+                        <a:latin typeface="Calibri" panose="020F0502020204030204" pitchFamily="34" charset="0"/>
+                      </a:endParaRPr>
+                    </a:p>
+                  </a:txBody>
+                  <a:tcPr marL="7620" marR="7620" marT="7620" marB="0" anchor="b"/>
+                </a:tc>
+                <a:tc>
+                  <a:txBody>
+                    <a:bodyPr/>
+                    <a:lstStyle/>
+                    <a:p>
+                      <a:pPr algn="l" fontAlgn="b"/>
+                      <a:r>
                         <a:rPr lang="es-PE" sz="1200" u="none" strike="noStrike" dirty="0">
                           <a:effectLst/>
                         </a:rPr>
-                        <a:t>11</a:t>
+                        <a:t>IOARR. OPTIMIZACIÓN MEDIANTE COBERTURA DE LA LOSA DEPORTIVA MULTIUSO DE LA INSTITUCIÓN EDUCATIVA SECUNDARIA "JOSÉ MARÍA ARGUEDAS" CHUQUIBAMBILLA, DISTRITO - CHUQUIBAMBILLA , PROVINCIA - GRAU, DEPARTAMENTO - APURÍMAC         </a:t>
                       </a:r>
                       <a:endParaRPr lang="es-PE" sz="1200" b="0" i="0" u="none" strike="noStrike" dirty="0">
                         <a:solidFill>
                           <a:srgbClr val="000000"/>
                         </a:solidFill>
                         <a:effectLst/>
+                        <a:latin typeface="Arial" panose="020B0604020202020204" pitchFamily="34" charset="0"/>
+                      </a:endParaRPr>
+                    </a:p>
+                  </a:txBody>
+                  <a:tcPr marL="7620" marR="7620" marT="7620" marB="0" anchor="b"/>
+                </a:tc>
+                <a:tc>
+                  <a:txBody>
+                    <a:bodyPr/>
+                    <a:lstStyle/>
+                    <a:p>
+                      <a:pPr algn="l" fontAlgn="ctr"/>
+                      <a:r>
+                        <a:rPr lang="es-PE" sz="1800" u="none" strike="noStrike">
+                          <a:effectLst/>
+                        </a:rPr>
+                        <a:t> </a:t>
+                      </a:r>
+                      <a:endParaRPr lang="es-PE" sz="1800" b="0" i="0" u="none" strike="noStrike">
+                        <a:solidFill>
+                          <a:srgbClr val="000000"/>
+                        </a:solidFill>
+                        <a:effectLst/>
                         <a:latin typeface="Calibri" panose="020F0502020204030204" pitchFamily="34" charset="0"/>
                       </a:endParaRPr>
                     </a:p>
                   </a:txBody>
+                  <a:tcPr marL="7620" marR="7620" marT="7620" marB="0" anchor="ctr"/>
+                </a:tc>
+                <a:tc>
+                  <a:txBody>
+                    <a:bodyPr/>
+                    <a:lstStyle/>
+                    <a:p>
+                      <a:pPr algn="l" fontAlgn="b"/>
+                      <a:r>
+                        <a:rPr lang="es-PE" sz="1800" u="none" strike="noStrike">
+                          <a:effectLst/>
+                        </a:rPr>
+                        <a:t> </a:t>
+                      </a:r>
+                      <a:endParaRPr lang="es-PE" sz="1800" b="0" i="0" u="none" strike="noStrike">
+                        <a:solidFill>
+                          <a:srgbClr val="000000"/>
+                        </a:solidFill>
+                        <a:effectLst/>
+                        <a:latin typeface="Calibri" panose="020F0502020204030204" pitchFamily="34" charset="0"/>
+                      </a:endParaRPr>
+                    </a:p>
+                  </a:txBody>
                   <a:tcPr marL="7620" marR="7620" marT="7620" marB="0" anchor="b"/>
                 </a:tc>
                 <a:tc>
@@ -10931,12 +11133,12 @@
                     <a:p>
                       <a:pPr algn="l" fontAlgn="b"/>
                       <a:r>
-                        <a:rPr lang="es-PE" sz="2000" u="none" strike="noStrike">
+                        <a:rPr lang="es-PE" sz="1800" u="none" strike="noStrike">
                           <a:effectLst/>
                         </a:rPr>
                         <a:t> </a:t>
                       </a:r>
-                      <a:endParaRPr lang="es-PE" sz="2000" b="0" i="0" u="none" strike="noStrike">
+                      <a:endParaRPr lang="es-PE" sz="1800" b="0" i="0" u="none" strike="noStrike">
                         <a:solidFill>
                           <a:srgbClr val="000000"/>
                         </a:solidFill>
@@ -10954,104 +11156,12 @@
                     <a:p>
                       <a:pPr algn="l" fontAlgn="b"/>
                       <a:r>
-                        <a:rPr lang="es-PE" sz="1400" u="none" strike="noStrike">
-                          <a:effectLst/>
-                        </a:rPr>
-                        <a:t>IOARR. OPTIMIZACIÓN MEDIANTE COBERTURA DE LA LOSA DEPORTIVA MULTIUSO DE LA INSTITUCIÓN EDUCATIVA SECUNDARIA "JOSÉ MARÍA ARGUEDAS" CHUQUIBAMBILLA, DISTRITO - CHUQUIBAMBILLA , PROVINCIA - GRAU, DEPARTAMENTO - APURÍMAC         </a:t>
-                      </a:r>
-                      <a:endParaRPr lang="es-PE" sz="1400" b="0" i="0" u="none" strike="noStrike">
-                        <a:solidFill>
-                          <a:srgbClr val="000000"/>
-                        </a:solidFill>
-                        <a:effectLst/>
-                        <a:latin typeface="Arial" panose="020B0604020202020204" pitchFamily="34" charset="0"/>
-                      </a:endParaRPr>
-                    </a:p>
-                  </a:txBody>
-                  <a:tcPr marL="7620" marR="7620" marT="7620" marB="0" anchor="b"/>
-                </a:tc>
-                <a:tc>
-                  <a:txBody>
-                    <a:bodyPr/>
-                    <a:lstStyle/>
-                    <a:p>
-                      <a:pPr algn="l" fontAlgn="ctr"/>
-                      <a:r>
-                        <a:rPr lang="es-PE" sz="2000" u="none" strike="noStrike">
+                        <a:rPr lang="es-PE" sz="1800" u="none" strike="noStrike">
                           <a:effectLst/>
                         </a:rPr>
                         <a:t> </a:t>
                       </a:r>
-                      <a:endParaRPr lang="es-PE" sz="2000" b="0" i="0" u="none" strike="noStrike">
-                        <a:solidFill>
-                          <a:srgbClr val="000000"/>
-                        </a:solidFill>
-                        <a:effectLst/>
-                        <a:latin typeface="Calibri" panose="020F0502020204030204" pitchFamily="34" charset="0"/>
-                      </a:endParaRPr>
-                    </a:p>
-                  </a:txBody>
-                  <a:tcPr marL="7620" marR="7620" marT="7620" marB="0" anchor="ctr"/>
-                </a:tc>
-                <a:tc>
-                  <a:txBody>
-                    <a:bodyPr/>
-                    <a:lstStyle/>
-                    <a:p>
-                      <a:pPr algn="l" fontAlgn="b"/>
-                      <a:r>
-                        <a:rPr lang="es-PE" sz="2000" u="none" strike="noStrike">
-                          <a:effectLst/>
-                        </a:rPr>
-                        <a:t> </a:t>
-                      </a:r>
-                      <a:endParaRPr lang="es-PE" sz="2000" b="0" i="0" u="none" strike="noStrike">
-                        <a:solidFill>
-                          <a:srgbClr val="000000"/>
-                        </a:solidFill>
-                        <a:effectLst/>
-                        <a:latin typeface="Calibri" panose="020F0502020204030204" pitchFamily="34" charset="0"/>
-                      </a:endParaRPr>
-                    </a:p>
-                  </a:txBody>
-                  <a:tcPr marL="7620" marR="7620" marT="7620" marB="0" anchor="b"/>
-                </a:tc>
-                <a:tc>
-                  <a:txBody>
-                    <a:bodyPr/>
-                    <a:lstStyle/>
-                    <a:p>
-                      <a:pPr algn="l" fontAlgn="b"/>
-                      <a:r>
-                        <a:rPr lang="es-PE" sz="2000" u="none" strike="noStrike">
-                          <a:effectLst/>
-                        </a:rPr>
-                        <a:t> </a:t>
-                      </a:r>
-                      <a:endParaRPr lang="es-PE" sz="2000" b="0" i="0" u="none" strike="noStrike">
-                        <a:solidFill>
-                          <a:srgbClr val="000000"/>
-                        </a:solidFill>
-                        <a:effectLst/>
-                        <a:latin typeface="Calibri" panose="020F0502020204030204" pitchFamily="34" charset="0"/>
-                      </a:endParaRPr>
-                    </a:p>
-                  </a:txBody>
-                  <a:tcPr marL="7620" marR="7620" marT="7620" marB="0" anchor="b"/>
-                </a:tc>
-                <a:tc>
-                  <a:txBody>
-                    <a:bodyPr/>
-                    <a:lstStyle/>
-                    <a:p>
-                      <a:pPr algn="l" fontAlgn="b"/>
-                      <a:r>
-                        <a:rPr lang="es-PE" sz="2000" u="none" strike="noStrike">
-                          <a:effectLst/>
-                        </a:rPr>
-                        <a:t> </a:t>
-                      </a:r>
-                      <a:endParaRPr lang="es-PE" sz="2000" b="0" i="0" u="none" strike="noStrike">
+                      <a:endParaRPr lang="es-PE" sz="1800" b="0" i="0" u="none" strike="noStrike">
                         <a:solidFill>
                           <a:srgbClr val="000000"/>
                         </a:solidFill>
@@ -11068,7 +11178,7 @@
                   </a:ext>
                 </a:extLst>
               </a:tr>
-              <a:tr h="886868">
+              <a:tr h="891409">
                 <a:tc>
                   <a:txBody>
                     <a:bodyPr/>
@@ -11076,20 +11186,124 @@
                     <a:p>
                       <a:pPr algn="ctr" fontAlgn="b"/>
                       <a:r>
+                        <a:rPr lang="es-PE" sz="1100" u="none" strike="noStrike" dirty="0">
+                          <a:effectLst/>
+                        </a:rPr>
+                        <a:t>12</a:t>
+                      </a:r>
+                      <a:endParaRPr lang="es-PE" sz="1100" b="0" i="0" u="none" strike="noStrike" dirty="0">
+                        <a:solidFill>
+                          <a:srgbClr val="000000"/>
+                        </a:solidFill>
+                        <a:effectLst/>
+                        <a:latin typeface="Calibri" panose="020F0502020204030204" pitchFamily="34" charset="0"/>
+                      </a:endParaRPr>
+                    </a:p>
+                  </a:txBody>
+                  <a:tcPr marL="7620" marR="7620" marT="7620" marB="0" anchor="b"/>
+                </a:tc>
+                <a:tc>
+                  <a:txBody>
+                    <a:bodyPr/>
+                    <a:lstStyle/>
+                    <a:p>
+                      <a:pPr algn="l" fontAlgn="b"/>
+                      <a:r>
+                        <a:rPr lang="es-PE" sz="1800" u="none" strike="noStrike">
+                          <a:effectLst/>
+                        </a:rPr>
+                        <a:t> </a:t>
+                      </a:r>
+                      <a:endParaRPr lang="es-PE" sz="1800" b="0" i="0" u="none" strike="noStrike">
+                        <a:solidFill>
+                          <a:srgbClr val="000000"/>
+                        </a:solidFill>
+                        <a:effectLst/>
+                        <a:latin typeface="Calibri" panose="020F0502020204030204" pitchFamily="34" charset="0"/>
+                      </a:endParaRPr>
+                    </a:p>
+                  </a:txBody>
+                  <a:tcPr marL="7620" marR="7620" marT="7620" marB="0" anchor="b"/>
+                </a:tc>
+                <a:tc>
+                  <a:txBody>
+                    <a:bodyPr/>
+                    <a:lstStyle/>
+                    <a:p>
+                      <a:pPr algn="l" fontAlgn="b"/>
+                      <a:r>
                         <a:rPr lang="es-PE" sz="1200" u="none" strike="noStrike" dirty="0">
                           <a:effectLst/>
                         </a:rPr>
-                        <a:t>12</a:t>
+                        <a:t>OPTIMIZACIÓN MEDIANTE COBERTURA DE LA LOSA DEPORTIVA MULTIUSO DE LA INSTITUCIÓN EDUCATIVA  PRIMARIA </a:t>
+                      </a:r>
+                      <a:r>
+                        <a:rPr lang="es-PE" sz="1200" u="none" strike="noStrike" dirty="0" err="1">
+                          <a:effectLst/>
+                        </a:rPr>
+                        <a:t>N°</a:t>
+                      </a:r>
+                      <a:r>
+                        <a:rPr lang="es-PE" sz="1200" u="none" strike="noStrike" dirty="0">
+                          <a:effectLst/>
+                        </a:rPr>
+                        <a:t> 54394  "SEÑOR DE LOS MILAGROS"  DISTRITO - CURPAHUASI, PROVINCIA - GRAU, DEPARTAMENTO - APURÍMAC.</a:t>
                       </a:r>
                       <a:endParaRPr lang="es-PE" sz="1200" b="0" i="0" u="none" strike="noStrike" dirty="0">
                         <a:solidFill>
                           <a:srgbClr val="000000"/>
                         </a:solidFill>
                         <a:effectLst/>
+                        <a:latin typeface="Arial" panose="020B0604020202020204" pitchFamily="34" charset="0"/>
+                      </a:endParaRPr>
+                    </a:p>
+                  </a:txBody>
+                  <a:tcPr marL="7620" marR="7620" marT="7620" marB="0" anchor="b"/>
+                </a:tc>
+                <a:tc>
+                  <a:txBody>
+                    <a:bodyPr/>
+                    <a:lstStyle/>
+                    <a:p>
+                      <a:pPr algn="l" fontAlgn="ctr"/>
+                      <a:r>
+                        <a:rPr lang="es-PE" sz="1800" u="none" strike="noStrike">
+                          <a:effectLst/>
+                        </a:rPr>
+                        <a:t> </a:t>
+                      </a:r>
+                      <a:endParaRPr lang="es-PE" sz="1800" b="0" i="0" u="none" strike="noStrike">
+                        <a:solidFill>
+                          <a:srgbClr val="000000"/>
+                        </a:solidFill>
+                        <a:effectLst/>
                         <a:latin typeface="Calibri" panose="020F0502020204030204" pitchFamily="34" charset="0"/>
                       </a:endParaRPr>
                     </a:p>
                   </a:txBody>
+                  <a:tcPr marL="7620" marR="7620" marT="7620" marB="0" anchor="ctr"/>
+                </a:tc>
+                <a:tc>
+                  <a:txBody>
+                    <a:bodyPr/>
+                    <a:lstStyle/>
+                    <a:p>
+                      <a:pPr algn="l" fontAlgn="b"/>
+                      <a:r>
+                        <a:rPr lang="es-PE" sz="1800" u="none" strike="noStrike">
+                          <a:effectLst/>
+                        </a:rPr>
+                        <a:t> </a:t>
+                      </a:r>
+                      <a:endParaRPr lang="es-PE" sz="1800" b="0" i="0" u="none" strike="noStrike">
+                        <a:solidFill>
+                          <a:srgbClr val="000000"/>
+                        </a:solidFill>
+                        <a:effectLst/>
+                        <a:latin typeface="Calibri" panose="020F0502020204030204" pitchFamily="34" charset="0"/>
+                      </a:endParaRPr>
+                    </a:p>
+                  </a:txBody>
                   <a:tcPr marL="7620" marR="7620" marT="7620" marB="0" anchor="b"/>
                 </a:tc>
                 <a:tc>
@@ -11099,12 +11313,12 @@
                     <a:p>
                       <a:pPr algn="l" fontAlgn="b"/>
                       <a:r>
-                        <a:rPr lang="es-PE" sz="2000" u="none" strike="noStrike">
+                        <a:rPr lang="es-PE" sz="1800" u="none" strike="noStrike">
                           <a:effectLst/>
                         </a:rPr>
                         <a:t> </a:t>
                       </a:r>
-                      <a:endParaRPr lang="es-PE" sz="2000" b="0" i="0" u="none" strike="noStrike">
+                      <a:endParaRPr lang="es-PE" sz="1800" b="0" i="0" u="none" strike="noStrike">
                         <a:solidFill>
                           <a:srgbClr val="000000"/>
                         </a:solidFill>
@@ -11122,104 +11336,12 @@
                     <a:p>
                       <a:pPr algn="l" fontAlgn="b"/>
                       <a:r>
-                        <a:rPr lang="es-PE" sz="1400" u="none" strike="noStrike">
-                          <a:effectLst/>
-                        </a:rPr>
-                        <a:t>OPTIMIZACIÓN MEDIANTE COBERTURA DE LA LOSA DEPORTIVA MULTIUSO DE LA INSTITUCIÓN EDUCATIVA  PRIMARIA N° 54394  "SEÑOR DE LOS MILAGROS"  DISTRITO - CURPAHUASI, PROVINCIA - GRAU, DEPARTAMENTO - APURÍMAC.</a:t>
-                      </a:r>
-                      <a:endParaRPr lang="es-PE" sz="1400" b="0" i="0" u="none" strike="noStrike">
-                        <a:solidFill>
-                          <a:srgbClr val="000000"/>
-                        </a:solidFill>
-                        <a:effectLst/>
-                        <a:latin typeface="Arial" panose="020B0604020202020204" pitchFamily="34" charset="0"/>
-                      </a:endParaRPr>
-                    </a:p>
-                  </a:txBody>
-                  <a:tcPr marL="7620" marR="7620" marT="7620" marB="0" anchor="b"/>
-                </a:tc>
-                <a:tc>
-                  <a:txBody>
-                    <a:bodyPr/>
-                    <a:lstStyle/>
-                    <a:p>
-                      <a:pPr algn="l" fontAlgn="ctr"/>
-                      <a:r>
-                        <a:rPr lang="es-PE" sz="2000" u="none" strike="noStrike">
+                        <a:rPr lang="es-PE" sz="1800" u="none" strike="noStrike">
                           <a:effectLst/>
                         </a:rPr>
                         <a:t> </a:t>
                       </a:r>
-                      <a:endParaRPr lang="es-PE" sz="2000" b="0" i="0" u="none" strike="noStrike">
-                        <a:solidFill>
-                          <a:srgbClr val="000000"/>
-                        </a:solidFill>
-                        <a:effectLst/>
-                        <a:latin typeface="Calibri" panose="020F0502020204030204" pitchFamily="34" charset="0"/>
-                      </a:endParaRPr>
-                    </a:p>
-                  </a:txBody>
-                  <a:tcPr marL="7620" marR="7620" marT="7620" marB="0" anchor="ctr"/>
-                </a:tc>
-                <a:tc>
-                  <a:txBody>
-                    <a:bodyPr/>
-                    <a:lstStyle/>
-                    <a:p>
-                      <a:pPr algn="l" fontAlgn="b"/>
-                      <a:r>
-                        <a:rPr lang="es-PE" sz="2000" u="none" strike="noStrike">
-                          <a:effectLst/>
-                        </a:rPr>
-                        <a:t> </a:t>
-                      </a:r>
-                      <a:endParaRPr lang="es-PE" sz="2000" b="0" i="0" u="none" strike="noStrike">
-                        <a:solidFill>
-                          <a:srgbClr val="000000"/>
-                        </a:solidFill>
-                        <a:effectLst/>
-                        <a:latin typeface="Calibri" panose="020F0502020204030204" pitchFamily="34" charset="0"/>
-                      </a:endParaRPr>
-                    </a:p>
-                  </a:txBody>
-                  <a:tcPr marL="7620" marR="7620" marT="7620" marB="0" anchor="b"/>
-                </a:tc>
-                <a:tc>
-                  <a:txBody>
-                    <a:bodyPr/>
-                    <a:lstStyle/>
-                    <a:p>
-                      <a:pPr algn="l" fontAlgn="b"/>
-                      <a:r>
-                        <a:rPr lang="es-PE" sz="2000" u="none" strike="noStrike">
-                          <a:effectLst/>
-                        </a:rPr>
-                        <a:t> </a:t>
-                      </a:r>
-                      <a:endParaRPr lang="es-PE" sz="2000" b="0" i="0" u="none" strike="noStrike">
-                        <a:solidFill>
-                          <a:srgbClr val="000000"/>
-                        </a:solidFill>
-                        <a:effectLst/>
-                        <a:latin typeface="Calibri" panose="020F0502020204030204" pitchFamily="34" charset="0"/>
-                      </a:endParaRPr>
-                    </a:p>
-                  </a:txBody>
-                  <a:tcPr marL="7620" marR="7620" marT="7620" marB="0" anchor="b"/>
-                </a:tc>
-                <a:tc>
-                  <a:txBody>
-                    <a:bodyPr/>
-                    <a:lstStyle/>
-                    <a:p>
-                      <a:pPr algn="l" fontAlgn="b"/>
-                      <a:r>
-                        <a:rPr lang="es-PE" sz="2000" u="none" strike="noStrike">
-                          <a:effectLst/>
-                        </a:rPr>
-                        <a:t> </a:t>
-                      </a:r>
-                      <a:endParaRPr lang="es-PE" sz="2000" b="0" i="0" u="none" strike="noStrike">
+                      <a:endParaRPr lang="es-PE" sz="1800" b="0" i="0" u="none" strike="noStrike">
                         <a:solidFill>
                           <a:srgbClr val="000000"/>
                         </a:solidFill>
@@ -11236,7 +11358,7 @@
                   </a:ext>
                 </a:extLst>
               </a:tr>
-              <a:tr h="886868">
+              <a:tr h="891409">
                 <a:tc>
                   <a:txBody>
                     <a:bodyPr/>
@@ -11244,12 +11366,12 @@
                     <a:p>
                       <a:pPr algn="ctr" fontAlgn="b"/>
                       <a:r>
-                        <a:rPr lang="es-PE" sz="1200" u="none" strike="noStrike" dirty="0">
+                        <a:rPr lang="es-PE" sz="1100" u="none" strike="noStrike" dirty="0">
                           <a:effectLst/>
                         </a:rPr>
                         <a:t>13</a:t>
                       </a:r>
-                      <a:endParaRPr lang="es-PE" sz="1200" b="0" i="0" u="none" strike="noStrike" dirty="0">
+                      <a:endParaRPr lang="es-PE" sz="1100" b="0" i="0" u="none" strike="noStrike" dirty="0">
                         <a:solidFill>
                           <a:srgbClr val="000000"/>
                         </a:solidFill>
@@ -11267,12 +11389,12 @@
                     <a:p>
                       <a:pPr algn="l" fontAlgn="b"/>
                       <a:r>
-                        <a:rPr lang="es-PE" sz="2000" u="none" strike="noStrike">
+                        <a:rPr lang="es-PE" sz="1800" u="none" strike="noStrike">
                           <a:effectLst/>
                         </a:rPr>
                         <a:t> </a:t>
                       </a:r>
-                      <a:endParaRPr lang="es-PE" sz="2000" b="0" i="0" u="none" strike="noStrike">
+                      <a:endParaRPr lang="es-PE" sz="1800" b="0" i="0" u="none" strike="noStrike">
                         <a:solidFill>
                           <a:srgbClr val="000000"/>
                         </a:solidFill>
@@ -11290,12 +11412,12 @@
                     <a:p>
                       <a:pPr algn="l" fontAlgn="b"/>
                       <a:r>
-                        <a:rPr lang="es-PE" sz="1400" u="none" strike="noStrike">
+                        <a:rPr lang="es-PE" sz="1200" u="none" strike="noStrike">
                           <a:effectLst/>
                         </a:rPr>
                         <a:t>OPTIMIZACIÓN MEDIANTE COBERTURA DE LA LOSA DEPORTIVA MULTIUSO DE LA INSTITUCIÓN EDUCATIVA  PRIMARIA N° 54411 - SANTA ROSA, DISTRITO - SANTA ROSA, PROVINCIA - GRAU, DEPARTAMENTO - APURÍMAC.</a:t>
                       </a:r>
-                      <a:endParaRPr lang="es-PE" sz="1400" b="0" i="0" u="none" strike="noStrike">
+                      <a:endParaRPr lang="es-PE" sz="1200" b="0" i="0" u="none" strike="noStrike">
                         <a:solidFill>
                           <a:srgbClr val="000000"/>
                         </a:solidFill>
@@ -11313,12 +11435,12 @@
                     <a:p>
                       <a:pPr algn="l" fontAlgn="ctr"/>
                       <a:r>
-                        <a:rPr lang="es-PE" sz="2000" u="none" strike="noStrike">
+                        <a:rPr lang="es-PE" sz="1800" u="none" strike="noStrike">
                           <a:effectLst/>
                         </a:rPr>
                         <a:t> </a:t>
                       </a:r>
-                      <a:endParaRPr lang="es-PE" sz="2000" b="0" i="0" u="none" strike="noStrike">
+                      <a:endParaRPr lang="es-PE" sz="1800" b="0" i="0" u="none" strike="noStrike">
                         <a:solidFill>
                           <a:srgbClr val="000000"/>
                         </a:solidFill>
@@ -11336,12 +11458,12 @@
                     <a:p>
                       <a:pPr algn="l" fontAlgn="b"/>
                       <a:r>
-                        <a:rPr lang="es-PE" sz="2000" u="none" strike="noStrike" dirty="0">
+                        <a:rPr lang="es-PE" sz="1800" u="none" strike="noStrike" dirty="0">
                           <a:effectLst/>
                         </a:rPr>
                         <a:t> </a:t>
                       </a:r>
-                      <a:endParaRPr lang="es-PE" sz="2000" b="0" i="0" u="none" strike="noStrike" dirty="0">
+                      <a:endParaRPr lang="es-PE" sz="1800" b="0" i="0" u="none" strike="noStrike" dirty="0">
                         <a:solidFill>
                           <a:srgbClr val="000000"/>
                         </a:solidFill>
@@ -11359,12 +11481,12 @@
                     <a:p>
                       <a:pPr algn="l" fontAlgn="b"/>
                       <a:r>
-                        <a:rPr lang="es-PE" sz="2000" u="none" strike="noStrike">
+                        <a:rPr lang="es-PE" sz="1800" u="none" strike="noStrike">
                           <a:effectLst/>
                         </a:rPr>
                         <a:t> </a:t>
                       </a:r>
-                      <a:endParaRPr lang="es-PE" sz="2000" b="0" i="0" u="none" strike="noStrike">
+                      <a:endParaRPr lang="es-PE" sz="1800" b="0" i="0" u="none" strike="noStrike">
                         <a:solidFill>
                           <a:srgbClr val="000000"/>
                         </a:solidFill>
@@ -11382,12 +11504,12 @@
                     <a:p>
                       <a:pPr algn="l" fontAlgn="b"/>
                       <a:r>
-                        <a:rPr lang="es-PE" sz="2000" u="none" strike="noStrike">
+                        <a:rPr lang="es-PE" sz="1800" u="none" strike="noStrike">
                           <a:effectLst/>
                         </a:rPr>
                         <a:t> </a:t>
                       </a:r>
-                      <a:endParaRPr lang="es-PE" sz="2000" b="0" i="0" u="none" strike="noStrike">
+                      <a:endParaRPr lang="es-PE" sz="1800" b="0" i="0" u="none" strike="noStrike">
                         <a:solidFill>
                           <a:srgbClr val="000000"/>
                         </a:solidFill>
@@ -11404,7 +11526,7 @@
                   </a:ext>
                 </a:extLst>
               </a:tr>
-              <a:tr h="886868">
+              <a:tr h="891409">
                 <a:tc>
                   <a:txBody>
                     <a:bodyPr/>
@@ -11412,20 +11534,136 @@
                     <a:p>
                       <a:pPr algn="ctr" fontAlgn="b"/>
                       <a:r>
+                        <a:rPr lang="es-PE" sz="1100" u="none" strike="noStrike" dirty="0">
+                          <a:effectLst/>
+                        </a:rPr>
+                        <a:t>14</a:t>
+                      </a:r>
+                      <a:endParaRPr lang="es-PE" sz="1100" b="0" i="0" u="none" strike="noStrike" dirty="0">
+                        <a:solidFill>
+                          <a:srgbClr val="000000"/>
+                        </a:solidFill>
+                        <a:effectLst/>
+                        <a:latin typeface="Calibri" panose="020F0502020204030204" pitchFamily="34" charset="0"/>
+                      </a:endParaRPr>
+                    </a:p>
+                  </a:txBody>
+                  <a:tcPr marL="7620" marR="7620" marT="7620" marB="0" anchor="b"/>
+                </a:tc>
+                <a:tc>
+                  <a:txBody>
+                    <a:bodyPr/>
+                    <a:lstStyle/>
+                    <a:p>
+                      <a:pPr algn="l" fontAlgn="b"/>
+                      <a:r>
+                        <a:rPr lang="es-PE" sz="1800" u="none" strike="noStrike">
+                          <a:effectLst/>
+                        </a:rPr>
+                        <a:t> </a:t>
+                      </a:r>
+                      <a:endParaRPr lang="es-PE" sz="1800" b="0" i="0" u="none" strike="noStrike">
+                        <a:solidFill>
+                          <a:srgbClr val="000000"/>
+                        </a:solidFill>
+                        <a:effectLst/>
+                        <a:latin typeface="Calibri" panose="020F0502020204030204" pitchFamily="34" charset="0"/>
+                      </a:endParaRPr>
+                    </a:p>
+                  </a:txBody>
+                  <a:tcPr marL="7620" marR="7620" marT="7620" marB="0" anchor="b"/>
+                </a:tc>
+                <a:tc>
+                  <a:txBody>
+                    <a:bodyPr/>
+                    <a:lstStyle/>
+                    <a:p>
+                      <a:pPr algn="l" fontAlgn="b"/>
+                      <a:r>
                         <a:rPr lang="es-PE" sz="1200" u="none" strike="noStrike" dirty="0">
                           <a:effectLst/>
                         </a:rPr>
-                        <a:t>14</a:t>
+                        <a:t>"OPTIMIZACIÓN MEDIANTE COBERTURA DE LA LOSA DEPORTIVA MULTIUSO DE LA INSTITUCIÓN EDUCATIVA  PRIMARIA </a:t>
+                      </a:r>
+                      <a:r>
+                        <a:rPr lang="es-PE" sz="1200" u="none" strike="noStrike" dirty="0" err="1">
+                          <a:effectLst/>
+                        </a:rPr>
+                        <a:t>N°</a:t>
+                      </a:r>
+                      <a:r>
+                        <a:rPr lang="es-PE" sz="1200" u="none" strike="noStrike" dirty="0">
+                          <a:effectLst/>
+                        </a:rPr>
+                        <a:t> 54408 </a:t>
+                      </a:r>
+                      <a:r>
+                        <a:rPr lang="es-PE" sz="1100" u="none" strike="noStrike" dirty="0">
+                          <a:effectLst/>
+                        </a:rPr>
+                        <a:t>AYRIHUANCA</a:t>
+                      </a:r>
+                      <a:r>
+                        <a:rPr lang="es-PE" sz="1200" u="none" strike="noStrike" dirty="0">
+                          <a:effectLst/>
+                        </a:rPr>
+                        <a:t> , DISTRITO - MICAELA BASTIDAS, PROVINCIA - GRAU, DEPARTAMENTO - APURÍMAC "</a:t>
                       </a:r>
                       <a:endParaRPr lang="es-PE" sz="1200" b="0" i="0" u="none" strike="noStrike" dirty="0">
                         <a:solidFill>
                           <a:srgbClr val="000000"/>
                         </a:solidFill>
                         <a:effectLst/>
+                        <a:latin typeface="Arial" panose="020B0604020202020204" pitchFamily="34" charset="0"/>
+                      </a:endParaRPr>
+                    </a:p>
+                  </a:txBody>
+                  <a:tcPr marL="7620" marR="7620" marT="7620" marB="0" anchor="b"/>
+                </a:tc>
+                <a:tc>
+                  <a:txBody>
+                    <a:bodyPr/>
+                    <a:lstStyle/>
+                    <a:p>
+                      <a:pPr algn="l" fontAlgn="ctr"/>
+                      <a:r>
+                        <a:rPr lang="es-PE" sz="1800" u="none" strike="noStrike">
+                          <a:effectLst/>
+                        </a:rPr>
+                        <a:t> </a:t>
+                      </a:r>
+                      <a:endParaRPr lang="es-PE" sz="1800" b="0" i="0" u="none" strike="noStrike">
+                        <a:solidFill>
+                          <a:srgbClr val="000000"/>
+                        </a:solidFill>
+                        <a:effectLst/>
                         <a:latin typeface="Calibri" panose="020F0502020204030204" pitchFamily="34" charset="0"/>
                       </a:endParaRPr>
                     </a:p>
                   </a:txBody>
+                  <a:tcPr marL="7620" marR="7620" marT="7620" marB="0" anchor="ctr"/>
+                </a:tc>
+                <a:tc>
+                  <a:txBody>
+                    <a:bodyPr/>
+                    <a:lstStyle/>
+                    <a:p>
+                      <a:pPr algn="l" fontAlgn="b"/>
+                      <a:r>
+                        <a:rPr lang="es-PE" sz="1800" u="none" strike="noStrike">
+                          <a:effectLst/>
+                        </a:rPr>
+                        <a:t> </a:t>
+                      </a:r>
+                      <a:endParaRPr lang="es-PE" sz="1800" b="0" i="0" u="none" strike="noStrike">
+                        <a:solidFill>
+                          <a:srgbClr val="000000"/>
+                        </a:solidFill>
+                        <a:effectLst/>
+                        <a:latin typeface="Calibri" panose="020F0502020204030204" pitchFamily="34" charset="0"/>
+                      </a:endParaRPr>
+                    </a:p>
+                  </a:txBody>
                   <a:tcPr marL="7620" marR="7620" marT="7620" marB="0" anchor="b"/>
                 </a:tc>
                 <a:tc>
@@ -11435,12 +11673,12 @@
                     <a:p>
                       <a:pPr algn="l" fontAlgn="b"/>
                       <a:r>
-                        <a:rPr lang="es-PE" sz="2000" u="none" strike="noStrike">
+                        <a:rPr lang="es-PE" sz="1800" u="none" strike="noStrike">
                           <a:effectLst/>
                         </a:rPr>
                         <a:t> </a:t>
                       </a:r>
-                      <a:endParaRPr lang="es-PE" sz="2000" b="0" i="0" u="none" strike="noStrike">
+                      <a:endParaRPr lang="es-PE" sz="1800" b="0" i="0" u="none" strike="noStrike">
                         <a:solidFill>
                           <a:srgbClr val="000000"/>
                         </a:solidFill>
@@ -11458,128 +11696,12 @@
                     <a:p>
                       <a:pPr algn="l" fontAlgn="b"/>
                       <a:r>
-                        <a:rPr lang="es-PE" sz="1400" u="none" strike="noStrike" dirty="0">
-                          <a:effectLst/>
-                        </a:rPr>
-                        <a:t>"OPTIMIZACIÓN MEDIANTE COBERTURA DE LA LOSA DEPORTIVA MULTIUSO DE LA INSTITUCIÓN EDUCATIVA  PRIMARIA </a:t>
-                      </a:r>
-                      <a:r>
-                        <a:rPr lang="es-PE" sz="1400" u="none" strike="noStrike" dirty="0" err="1">
-                          <a:effectLst/>
-                        </a:rPr>
-                        <a:t>N°</a:t>
-                      </a:r>
-                      <a:r>
-                        <a:rPr lang="es-PE" sz="1400" u="none" strike="noStrike" dirty="0">
-                          <a:effectLst/>
-                        </a:rPr>
-                        <a:t> 54408 </a:t>
-                      </a:r>
-                      <a:r>
-                        <a:rPr lang="es-PE" sz="1200" u="none" strike="noStrike" dirty="0">
-                          <a:effectLst/>
-                        </a:rPr>
-                        <a:t>AYRIHUANCA</a:t>
-                      </a:r>
-                      <a:r>
-                        <a:rPr lang="es-PE" sz="1400" u="none" strike="noStrike" dirty="0">
-                          <a:effectLst/>
-                        </a:rPr>
-                        <a:t> , DISTRITO - MICAELA BASTIDAS, PROVINCIA - GRAU, DEPARTAMENTO - APURÍMAC "</a:t>
-                      </a:r>
-                      <a:endParaRPr lang="es-PE" sz="1400" b="0" i="0" u="none" strike="noStrike" dirty="0">
-                        <a:solidFill>
-                          <a:srgbClr val="000000"/>
-                        </a:solidFill>
-                        <a:effectLst/>
-                        <a:latin typeface="Arial" panose="020B0604020202020204" pitchFamily="34" charset="0"/>
-                      </a:endParaRPr>
-                    </a:p>
-                  </a:txBody>
-                  <a:tcPr marL="7620" marR="7620" marT="7620" marB="0" anchor="b"/>
-                </a:tc>
-                <a:tc>
-                  <a:txBody>
-                    <a:bodyPr/>
-                    <a:lstStyle/>
-                    <a:p>
-                      <a:pPr algn="l" fontAlgn="ctr"/>
-                      <a:r>
-                        <a:rPr lang="es-PE" sz="2000" u="none" strike="noStrike">
+                        <a:rPr lang="es-PE" sz="1800" u="none" strike="noStrike">
                           <a:effectLst/>
                         </a:rPr>
                         <a:t> </a:t>
                       </a:r>
-                      <a:endParaRPr lang="es-PE" sz="2000" b="0" i="0" u="none" strike="noStrike">
-                        <a:solidFill>
-                          <a:srgbClr val="000000"/>
-                        </a:solidFill>
-                        <a:effectLst/>
-                        <a:latin typeface="Calibri" panose="020F0502020204030204" pitchFamily="34" charset="0"/>
-                      </a:endParaRPr>
-                    </a:p>
-                  </a:txBody>
-                  <a:tcPr marL="7620" marR="7620" marT="7620" marB="0" anchor="ctr"/>
-                </a:tc>
-                <a:tc>
-                  <a:txBody>
-                    <a:bodyPr/>
-                    <a:lstStyle/>
-                    <a:p>
-                      <a:pPr algn="l" fontAlgn="b"/>
-                      <a:r>
-                        <a:rPr lang="es-PE" sz="2000" u="none" strike="noStrike">
-                          <a:effectLst/>
-                        </a:rPr>
-                        <a:t> </a:t>
-                      </a:r>
-                      <a:endParaRPr lang="es-PE" sz="2000" b="0" i="0" u="none" strike="noStrike">
-                        <a:solidFill>
-                          <a:srgbClr val="000000"/>
-                        </a:solidFill>
-                        <a:effectLst/>
-                        <a:latin typeface="Calibri" panose="020F0502020204030204" pitchFamily="34" charset="0"/>
-                      </a:endParaRPr>
-                    </a:p>
-                  </a:txBody>
-                  <a:tcPr marL="7620" marR="7620" marT="7620" marB="0" anchor="b"/>
-                </a:tc>
-                <a:tc>
-                  <a:txBody>
-                    <a:bodyPr/>
-                    <a:lstStyle/>
-                    <a:p>
-                      <a:pPr algn="l" fontAlgn="b"/>
-                      <a:r>
-                        <a:rPr lang="es-PE" sz="2000" u="none" strike="noStrike">
-                          <a:effectLst/>
-                        </a:rPr>
-                        <a:t> </a:t>
-                      </a:r>
-                      <a:endParaRPr lang="es-PE" sz="2000" b="0" i="0" u="none" strike="noStrike">
-                        <a:solidFill>
-                          <a:srgbClr val="000000"/>
-                        </a:solidFill>
-                        <a:effectLst/>
-                        <a:latin typeface="Calibri" panose="020F0502020204030204" pitchFamily="34" charset="0"/>
-                      </a:endParaRPr>
-                    </a:p>
-                  </a:txBody>
-                  <a:tcPr marL="7620" marR="7620" marT="7620" marB="0" anchor="b"/>
-                </a:tc>
-                <a:tc>
-                  <a:txBody>
-                    <a:bodyPr/>
-                    <a:lstStyle/>
-                    <a:p>
-                      <a:pPr algn="l" fontAlgn="b"/>
-                      <a:r>
-                        <a:rPr lang="es-PE" sz="2000" u="none" strike="noStrike">
-                          <a:effectLst/>
-                        </a:rPr>
-                        <a:t> </a:t>
-                      </a:r>
-                      <a:endParaRPr lang="es-PE" sz="2000" b="0" i="0" u="none" strike="noStrike">
+                      <a:endParaRPr lang="es-PE" sz="1800" b="0" i="0" u="none" strike="noStrike">
                         <a:solidFill>
                           <a:srgbClr val="000000"/>
                         </a:solidFill>
@@ -11596,7 +11718,7 @@
                   </a:ext>
                 </a:extLst>
               </a:tr>
-              <a:tr h="886868">
+              <a:tr h="891409">
                 <a:tc>
                   <a:txBody>
                     <a:bodyPr/>
@@ -11604,12 +11726,12 @@
                     <a:p>
                       <a:pPr algn="ctr" fontAlgn="b"/>
                       <a:r>
-                        <a:rPr lang="es-PE" sz="1200" u="none" strike="noStrike" dirty="0">
+                        <a:rPr lang="es-PE" sz="1100" u="none" strike="noStrike" dirty="0">
                           <a:effectLst/>
                         </a:rPr>
                         <a:t>15</a:t>
                       </a:r>
-                      <a:endParaRPr lang="es-PE" sz="1200" b="0" i="0" u="none" strike="noStrike" dirty="0">
+                      <a:endParaRPr lang="es-PE" sz="1100" b="0" i="0" u="none" strike="noStrike" dirty="0">
                         <a:solidFill>
                           <a:srgbClr val="000000"/>
                         </a:solidFill>
@@ -11627,12 +11749,12 @@
                     <a:p>
                       <a:pPr algn="l" fontAlgn="b"/>
                       <a:r>
-                        <a:rPr lang="es-PE" sz="2000" u="none" strike="noStrike">
+                        <a:rPr lang="es-PE" sz="1800" u="none" strike="noStrike">
                           <a:effectLst/>
                         </a:rPr>
                         <a:t> </a:t>
                       </a:r>
-                      <a:endParaRPr lang="es-PE" sz="2000" b="0" i="0" u="none" strike="noStrike">
+                      <a:endParaRPr lang="es-PE" sz="1800" b="0" i="0" u="none" strike="noStrike">
                         <a:solidFill>
                           <a:srgbClr val="000000"/>
                         </a:solidFill>
@@ -11650,12 +11772,12 @@
                     <a:p>
                       <a:pPr algn="l" fontAlgn="b"/>
                       <a:r>
-                        <a:rPr lang="es-PE" sz="1400" u="none" strike="noStrike">
+                        <a:rPr lang="es-PE" sz="1200" u="none" strike="noStrike">
                           <a:effectLst/>
                         </a:rPr>
                         <a:t>OPTIMIZACIÓN MEDIANTE COBERTURA DE LA LOSA DEPORTIVA MULTIUSO DE LA INSTITUCIÓN EDUCATIVA SECUNDARIA "FRAY DIEGO ORTIZ" PROGRESO, DISTRITO - PROGRESO , PROVINCIA - GRAU, DEPARTAMENTO - APURÍMAC</a:t>
                       </a:r>
-                      <a:endParaRPr lang="es-PE" sz="1400" b="0" i="0" u="none" strike="noStrike">
+                      <a:endParaRPr lang="es-PE" sz="1200" b="0" i="0" u="none" strike="noStrike">
                         <a:solidFill>
                           <a:srgbClr val="000000"/>
                         </a:solidFill>
@@ -11673,12 +11795,12 @@
                     <a:p>
                       <a:pPr algn="l" fontAlgn="ctr"/>
                       <a:r>
-                        <a:rPr lang="es-PE" sz="2000" u="none" strike="noStrike">
+                        <a:rPr lang="es-PE" sz="1800" u="none" strike="noStrike">
                           <a:effectLst/>
                         </a:rPr>
                         <a:t> </a:t>
                       </a:r>
-                      <a:endParaRPr lang="es-PE" sz="2000" b="0" i="0" u="none" strike="noStrike">
+                      <a:endParaRPr lang="es-PE" sz="1800" b="0" i="0" u="none" strike="noStrike">
                         <a:solidFill>
                           <a:srgbClr val="000000"/>
                         </a:solidFill>
@@ -11696,12 +11818,12 @@
                     <a:p>
                       <a:pPr algn="l" fontAlgn="b"/>
                       <a:r>
-                        <a:rPr lang="es-PE" sz="2000" u="none" strike="noStrike">
+                        <a:rPr lang="es-PE" sz="1800" u="none" strike="noStrike">
                           <a:effectLst/>
                         </a:rPr>
                         <a:t> </a:t>
                       </a:r>
-                      <a:endParaRPr lang="es-PE" sz="2000" b="0" i="0" u="none" strike="noStrike">
+                      <a:endParaRPr lang="es-PE" sz="1800" b="0" i="0" u="none" strike="noStrike">
                         <a:solidFill>
                           <a:srgbClr val="000000"/>
                         </a:solidFill>
@@ -11719,12 +11841,12 @@
                     <a:p>
                       <a:pPr algn="l" fontAlgn="b"/>
                       <a:r>
-                        <a:rPr lang="es-PE" sz="2000" u="none" strike="noStrike">
+                        <a:rPr lang="es-PE" sz="1800" u="none" strike="noStrike">
                           <a:effectLst/>
                         </a:rPr>
                         <a:t> </a:t>
                       </a:r>
-                      <a:endParaRPr lang="es-PE" sz="2000" b="0" i="0" u="none" strike="noStrike">
+                      <a:endParaRPr lang="es-PE" sz="1800" b="0" i="0" u="none" strike="noStrike">
                         <a:solidFill>
                           <a:srgbClr val="000000"/>
                         </a:solidFill>
@@ -11742,12 +11864,12 @@
                     <a:p>
                       <a:pPr algn="l" fontAlgn="b"/>
                       <a:r>
-                        <a:rPr lang="es-PE" sz="2000" u="none" strike="noStrike">
+                        <a:rPr lang="es-PE" sz="1800" u="none" strike="noStrike">
                           <a:effectLst/>
                         </a:rPr>
                         <a:t> </a:t>
                       </a:r>
-                      <a:endParaRPr lang="es-PE" sz="2000" b="0" i="0" u="none" strike="noStrike">
+                      <a:endParaRPr lang="es-PE" sz="1800" b="0" i="0" u="none" strike="noStrike">
                         <a:solidFill>
                           <a:srgbClr val="000000"/>
                         </a:solidFill>
@@ -11764,7 +11886,7 @@
                   </a:ext>
                 </a:extLst>
               </a:tr>
-              <a:tr h="886868">
+              <a:tr h="891409">
                 <a:tc>
                   <a:txBody>
                     <a:bodyPr/>
@@ -11772,12 +11894,12 @@
                     <a:p>
                       <a:pPr algn="ctr" fontAlgn="b"/>
                       <a:r>
-                        <a:rPr lang="es-PE" sz="1200" u="none" strike="noStrike" dirty="0">
+                        <a:rPr lang="es-PE" sz="1100" u="none" strike="noStrike" dirty="0">
                           <a:effectLst/>
                         </a:rPr>
                         <a:t>16</a:t>
                       </a:r>
-                      <a:endParaRPr lang="es-PE" sz="1200" b="0" i="0" u="none" strike="noStrike" dirty="0">
+                      <a:endParaRPr lang="es-PE" sz="1100" b="0" i="0" u="none" strike="noStrike" dirty="0">
                         <a:solidFill>
                           <a:srgbClr val="000000"/>
                         </a:solidFill>
@@ -11795,12 +11917,12 @@
                     <a:p>
                       <a:pPr algn="l" fontAlgn="b"/>
                       <a:r>
-                        <a:rPr lang="es-PE" sz="2000" u="none" strike="noStrike">
+                        <a:rPr lang="es-PE" sz="1800" u="none" strike="noStrike">
                           <a:effectLst/>
                         </a:rPr>
                         <a:t> </a:t>
                       </a:r>
-                      <a:endParaRPr lang="es-PE" sz="2000" b="0" i="0" u="none" strike="noStrike">
+                      <a:endParaRPr lang="es-PE" sz="1800" b="0" i="0" u="none" strike="noStrike">
                         <a:solidFill>
                           <a:srgbClr val="000000"/>
                         </a:solidFill>
@@ -11818,12 +11940,12 @@
                     <a:p>
                       <a:pPr algn="l" fontAlgn="b"/>
                       <a:r>
-                        <a:rPr lang="es-PE" sz="1400" u="none" strike="noStrike">
+                        <a:rPr lang="es-PE" sz="1200" u="none" strike="noStrike">
                           <a:effectLst/>
                         </a:rPr>
                         <a:t>OPTIMIZACIÓN MEDIANTE COBERTURA DE LA LOSA DEPORTIVA MULTIUSO DE LA INSTITUCIÓN EDUCATIVA SECUNDARIA "JUAN ESPINOZA MEDRANO" PATAYPAMPA, DISTRITO - PATAYPAMPA , PROVINCIA - GRAU, DEPARTAMENTO - APURÍMAC </a:t>
                       </a:r>
-                      <a:endParaRPr lang="es-PE" sz="1400" b="0" i="0" u="none" strike="noStrike">
+                      <a:endParaRPr lang="es-PE" sz="1200" b="0" i="0" u="none" strike="noStrike">
                         <a:solidFill>
                           <a:srgbClr val="000000"/>
                         </a:solidFill>
@@ -11841,12 +11963,12 @@
                     <a:p>
                       <a:pPr algn="l" fontAlgn="ctr"/>
                       <a:r>
-                        <a:rPr lang="es-PE" sz="2000" u="none" strike="noStrike">
+                        <a:rPr lang="es-PE" sz="1800" u="none" strike="noStrike">
                           <a:effectLst/>
                         </a:rPr>
                         <a:t> </a:t>
                       </a:r>
-                      <a:endParaRPr lang="es-PE" sz="2000" b="0" i="0" u="none" strike="noStrike">
+                      <a:endParaRPr lang="es-PE" sz="1800" b="0" i="0" u="none" strike="noStrike">
                         <a:solidFill>
                           <a:srgbClr val="000000"/>
                         </a:solidFill>
@@ -11864,12 +11986,12 @@
                     <a:p>
                       <a:pPr algn="l" fontAlgn="b"/>
                       <a:r>
-                        <a:rPr lang="es-PE" sz="2000" u="none" strike="noStrike">
+                        <a:rPr lang="es-PE" sz="1800" u="none" strike="noStrike">
                           <a:effectLst/>
                         </a:rPr>
                         <a:t> </a:t>
                       </a:r>
-                      <a:endParaRPr lang="es-PE" sz="2000" b="0" i="0" u="none" strike="noStrike">
+                      <a:endParaRPr lang="es-PE" sz="1800" b="0" i="0" u="none" strike="noStrike">
                         <a:solidFill>
                           <a:srgbClr val="000000"/>
                         </a:solidFill>
@@ -11887,12 +12009,12 @@
                     <a:p>
                       <a:pPr algn="l" fontAlgn="b"/>
                       <a:r>
-                        <a:rPr lang="es-PE" sz="2000" u="none" strike="noStrike">
+                        <a:rPr lang="es-PE" sz="1800" u="none" strike="noStrike">
                           <a:effectLst/>
                         </a:rPr>
                         <a:t> </a:t>
                       </a:r>
-                      <a:endParaRPr lang="es-PE" sz="2000" b="0" i="0" u="none" strike="noStrike">
+                      <a:endParaRPr lang="es-PE" sz="1800" b="0" i="0" u="none" strike="noStrike">
                         <a:solidFill>
                           <a:srgbClr val="000000"/>
                         </a:solidFill>
@@ -11910,12 +12032,12 @@
                     <a:p>
                       <a:pPr algn="l" fontAlgn="b"/>
                       <a:r>
-                        <a:rPr lang="es-PE" sz="2000" u="none" strike="noStrike" dirty="0">
+                        <a:rPr lang="es-PE" sz="1800" u="none" strike="noStrike" dirty="0">
                           <a:effectLst/>
                         </a:rPr>
                         <a:t> </a:t>
                       </a:r>
-                      <a:endParaRPr lang="es-PE" sz="2000" b="0" i="0" u="none" strike="noStrike" dirty="0">
+                      <a:endParaRPr lang="es-PE" sz="1800" b="0" i="0" u="none" strike="noStrike" dirty="0">
                         <a:solidFill>
                           <a:srgbClr val="000000"/>
                         </a:solidFill>
@@ -12003,6 +12125,1544 @@
               <a:rPr lang="en"/>
               <a:pPr/>
               <a:t>12</a:t>
+            </a:fld>
+            <a:endParaRPr/>
+          </a:p>
+        </p:txBody>
+      </p:sp>
+      <p:sp>
+        <p:nvSpPr>
+          <p:cNvPr id="5" name="Título 4">
+            <a:extLst>
+              <a:ext uri="{FF2B5EF4-FFF2-40B4-BE49-F238E27FC236}">
+                <a16:creationId xmlns:a16="http://schemas.microsoft.com/office/drawing/2014/main" id="{A4C4138B-B401-4748-909C-EE5553514BC7}"/>
+              </a:ext>
+            </a:extLst>
+          </p:cNvPr>
+          <p:cNvSpPr>
+            <a:spLocks noGrp="1"/>
+          </p:cNvSpPr>
+          <p:nvPr>
+            <p:ph type="title"/>
+          </p:nvPr>
+        </p:nvSpPr>
+        <p:spPr/>
+        <p:txBody>
+          <a:bodyPr/>
+          <a:lstStyle/>
+          <a:p>
+            <a:endParaRPr lang="es-PE" dirty="0"/>
+          </a:p>
+        </p:txBody>
+      </p:sp>
+      <p:graphicFrame>
+        <p:nvGraphicFramePr>
+          <p:cNvPr id="7" name="Tabla 6">
+            <a:extLst>
+              <a:ext uri="{FF2B5EF4-FFF2-40B4-BE49-F238E27FC236}">
+                <a16:creationId xmlns:a16="http://schemas.microsoft.com/office/drawing/2014/main" id="{DD1ED67A-1090-448D-8AED-1C5BF8BB62E6}"/>
+              </a:ext>
+            </a:extLst>
+          </p:cNvPr>
+          <p:cNvGraphicFramePr>
+            <a:graphicFrameLocks noGrp="1"/>
+          </p:cNvGraphicFramePr>
+          <p:nvPr>
+            <p:extLst>
+              <p:ext uri="{D42A27DB-BD31-4B8C-83A1-F6EECF244321}">
+                <p14:modId xmlns:p14="http://schemas.microsoft.com/office/powerpoint/2010/main" val="120077987"/>
+              </p:ext>
+            </p:extLst>
+          </p:nvPr>
+        </p:nvGraphicFramePr>
+        <p:xfrm>
+          <a:off x="397566" y="404192"/>
+          <a:ext cx="11476383" cy="5691807"/>
+        </p:xfrm>
+        <a:graphic>
+          <a:graphicData uri="http://schemas.openxmlformats.org/drawingml/2006/table">
+            <a:tbl>
+              <a:tblPr>
+                <a:tableStyleId>{5C22544A-7EE6-4342-B048-85BDC9FD1C3A}</a:tableStyleId>
+              </a:tblPr>
+              <a:tblGrid>
+                <a:gridCol w="776101">
+                  <a:extLst>
+                    <a:ext uri="{9D8B030D-6E8A-4147-A177-3AD203B41FA5}">
+                      <a16:colId xmlns:a16="http://schemas.microsoft.com/office/drawing/2014/main" val="1529960999"/>
+                    </a:ext>
+                  </a:extLst>
+                </a:gridCol>
+                <a:gridCol w="1023792">
+                  <a:extLst>
+                    <a:ext uri="{9D8B030D-6E8A-4147-A177-3AD203B41FA5}">
+                      <a16:colId xmlns:a16="http://schemas.microsoft.com/office/drawing/2014/main" val="4033556048"/>
+                    </a:ext>
+                  </a:extLst>
+                </a:gridCol>
+                <a:gridCol w="5168502">
+                  <a:extLst>
+                    <a:ext uri="{9D8B030D-6E8A-4147-A177-3AD203B41FA5}">
+                      <a16:colId xmlns:a16="http://schemas.microsoft.com/office/drawing/2014/main" val="3511474069"/>
+                    </a:ext>
+                  </a:extLst>
+                </a:gridCol>
+                <a:gridCol w="1238458">
+                  <a:extLst>
+                    <a:ext uri="{9D8B030D-6E8A-4147-A177-3AD203B41FA5}">
+                      <a16:colId xmlns:a16="http://schemas.microsoft.com/office/drawing/2014/main" val="2811476874"/>
+                    </a:ext>
+                  </a:extLst>
+                </a:gridCol>
+                <a:gridCol w="1221946">
+                  <a:extLst>
+                    <a:ext uri="{9D8B030D-6E8A-4147-A177-3AD203B41FA5}">
+                      <a16:colId xmlns:a16="http://schemas.microsoft.com/office/drawing/2014/main" val="1722669779"/>
+                    </a:ext>
+                  </a:extLst>
+                </a:gridCol>
+                <a:gridCol w="1023792">
+                  <a:extLst>
+                    <a:ext uri="{9D8B030D-6E8A-4147-A177-3AD203B41FA5}">
+                      <a16:colId xmlns:a16="http://schemas.microsoft.com/office/drawing/2014/main" val="1084262616"/>
+                    </a:ext>
+                  </a:extLst>
+                </a:gridCol>
+                <a:gridCol w="1023792">
+                  <a:extLst>
+                    <a:ext uri="{9D8B030D-6E8A-4147-A177-3AD203B41FA5}">
+                      <a16:colId xmlns:a16="http://schemas.microsoft.com/office/drawing/2014/main" val="1254728577"/>
+                    </a:ext>
+                  </a:extLst>
+                </a:gridCol>
+              </a:tblGrid>
+              <a:tr h="1058091">
+                <a:tc>
+                  <a:txBody>
+                    <a:bodyPr/>
+                    <a:lstStyle/>
+                    <a:p>
+                      <a:pPr algn="ctr" fontAlgn="b"/>
+                      <a:r>
+                        <a:rPr lang="es-PE" sz="1200" u="none" strike="noStrike">
+                          <a:effectLst/>
+                        </a:rPr>
+                        <a:t>17</a:t>
+                      </a:r>
+                      <a:endParaRPr lang="es-PE" sz="1200" b="0" i="0" u="none" strike="noStrike">
+                        <a:solidFill>
+                          <a:srgbClr val="000000"/>
+                        </a:solidFill>
+                        <a:effectLst/>
+                        <a:latin typeface="Calibri" panose="020F0502020204030204" pitchFamily="34" charset="0"/>
+                      </a:endParaRPr>
+                    </a:p>
+                  </a:txBody>
+                  <a:tcPr marL="6447" marR="6447" marT="6447" marB="0" anchor="b"/>
+                </a:tc>
+                <a:tc>
+                  <a:txBody>
+                    <a:bodyPr/>
+                    <a:lstStyle/>
+                    <a:p>
+                      <a:pPr algn="l" fontAlgn="b"/>
+                      <a:r>
+                        <a:rPr lang="es-PE" sz="1200" u="none" strike="noStrike">
+                          <a:effectLst/>
+                        </a:rPr>
+                        <a:t> </a:t>
+                      </a:r>
+                      <a:endParaRPr lang="es-PE" sz="1200" b="0" i="0" u="none" strike="noStrike">
+                        <a:solidFill>
+                          <a:srgbClr val="000000"/>
+                        </a:solidFill>
+                        <a:effectLst/>
+                        <a:latin typeface="Calibri" panose="020F0502020204030204" pitchFamily="34" charset="0"/>
+                      </a:endParaRPr>
+                    </a:p>
+                  </a:txBody>
+                  <a:tcPr marL="6447" marR="6447" marT="6447" marB="0" anchor="b"/>
+                </a:tc>
+                <a:tc>
+                  <a:txBody>
+                    <a:bodyPr/>
+                    <a:lstStyle/>
+                    <a:p>
+                      <a:pPr algn="l" fontAlgn="b"/>
+                      <a:r>
+                        <a:rPr lang="es-MX" sz="1100" u="none" strike="noStrike">
+                          <a:effectLst/>
+                        </a:rPr>
+                        <a:t>CONSTRUCCIÓN DE MUROS DE CONTENCIÓN Y REHABILITACIÓN DE CERCO PERIMÉTRICO, INSTALACIÓN DE SISTEMA DE DRENAJE Y FORESTACIÓN EN LA IEI. N° 181, IEP. N° 54414E IES “JUAN VELASCO ALVARADO” DE LA COMUNIDAD DE RECORD – CCONCCACCA PARA LA REDUCCIÓN DEL RIESGO DE DESASTRE DISTRITO DE PROGRESO, PROVINCIA GRAU, DEPARTAMENTO APURÍMAC”</a:t>
+                      </a:r>
+                      <a:endParaRPr lang="es-MX" sz="1100" b="0" i="0" u="none" strike="noStrike">
+                        <a:solidFill>
+                          <a:srgbClr val="000000"/>
+                        </a:solidFill>
+                        <a:effectLst/>
+                        <a:latin typeface="Arial" panose="020B0604020202020204" pitchFamily="34" charset="0"/>
+                      </a:endParaRPr>
+                    </a:p>
+                  </a:txBody>
+                  <a:tcPr marL="6447" marR="6447" marT="6447" marB="0" anchor="b"/>
+                </a:tc>
+                <a:tc>
+                  <a:txBody>
+                    <a:bodyPr/>
+                    <a:lstStyle/>
+                    <a:p>
+                      <a:pPr algn="l" fontAlgn="ctr"/>
+                      <a:r>
+                        <a:rPr lang="es-PE" sz="1200" u="none" strike="noStrike">
+                          <a:effectLst/>
+                        </a:rPr>
+                        <a:t> </a:t>
+                      </a:r>
+                      <a:endParaRPr lang="es-PE" sz="1200" b="0" i="0" u="none" strike="noStrike">
+                        <a:solidFill>
+                          <a:srgbClr val="000000"/>
+                        </a:solidFill>
+                        <a:effectLst/>
+                        <a:latin typeface="Calibri" panose="020F0502020204030204" pitchFamily="34" charset="0"/>
+                      </a:endParaRPr>
+                    </a:p>
+                  </a:txBody>
+                  <a:tcPr marL="6447" marR="6447" marT="6447" marB="0" anchor="ctr"/>
+                </a:tc>
+                <a:tc>
+                  <a:txBody>
+                    <a:bodyPr/>
+                    <a:lstStyle/>
+                    <a:p>
+                      <a:pPr algn="l" fontAlgn="b"/>
+                      <a:r>
+                        <a:rPr lang="es-PE" sz="1200" u="none" strike="noStrike">
+                          <a:effectLst/>
+                        </a:rPr>
+                        <a:t> </a:t>
+                      </a:r>
+                      <a:endParaRPr lang="es-PE" sz="1200" b="0" i="0" u="none" strike="noStrike">
+                        <a:solidFill>
+                          <a:srgbClr val="000000"/>
+                        </a:solidFill>
+                        <a:effectLst/>
+                        <a:latin typeface="Calibri" panose="020F0502020204030204" pitchFamily="34" charset="0"/>
+                      </a:endParaRPr>
+                    </a:p>
+                  </a:txBody>
+                  <a:tcPr marL="6447" marR="6447" marT="6447" marB="0" anchor="b"/>
+                </a:tc>
+                <a:tc>
+                  <a:txBody>
+                    <a:bodyPr/>
+                    <a:lstStyle/>
+                    <a:p>
+                      <a:pPr algn="l" fontAlgn="b"/>
+                      <a:r>
+                        <a:rPr lang="es-PE" sz="1200" u="none" strike="noStrike">
+                          <a:effectLst/>
+                        </a:rPr>
+                        <a:t> </a:t>
+                      </a:r>
+                      <a:endParaRPr lang="es-PE" sz="1200" b="0" i="0" u="none" strike="noStrike">
+                        <a:solidFill>
+                          <a:srgbClr val="000000"/>
+                        </a:solidFill>
+                        <a:effectLst/>
+                        <a:latin typeface="Calibri" panose="020F0502020204030204" pitchFamily="34" charset="0"/>
+                      </a:endParaRPr>
+                    </a:p>
+                  </a:txBody>
+                  <a:tcPr marL="6447" marR="6447" marT="6447" marB="0" anchor="b"/>
+                </a:tc>
+                <a:tc>
+                  <a:txBody>
+                    <a:bodyPr/>
+                    <a:lstStyle/>
+                    <a:p>
+                      <a:pPr algn="l" fontAlgn="b"/>
+                      <a:r>
+                        <a:rPr lang="es-PE" sz="1200" u="none" strike="noStrike">
+                          <a:effectLst/>
+                        </a:rPr>
+                        <a:t> </a:t>
+                      </a:r>
+                      <a:endParaRPr lang="es-PE" sz="1200" b="0" i="0" u="none" strike="noStrike">
+                        <a:solidFill>
+                          <a:srgbClr val="000000"/>
+                        </a:solidFill>
+                        <a:effectLst/>
+                        <a:latin typeface="Calibri" panose="020F0502020204030204" pitchFamily="34" charset="0"/>
+                      </a:endParaRPr>
+                    </a:p>
+                  </a:txBody>
+                  <a:tcPr marL="6447" marR="6447" marT="6447" marB="0" anchor="b"/>
+                </a:tc>
+                <a:extLst>
+                  <a:ext uri="{0D108BD9-81ED-4DB2-BD59-A6C34878D82A}">
+                    <a16:rowId xmlns:a16="http://schemas.microsoft.com/office/drawing/2014/main" val="2476794932"/>
+                  </a:ext>
+                </a:extLst>
+              </a:tr>
+              <a:tr h="711476">
+                <a:tc>
+                  <a:txBody>
+                    <a:bodyPr/>
+                    <a:lstStyle/>
+                    <a:p>
+                      <a:pPr algn="ctr" fontAlgn="b"/>
+                      <a:r>
+                        <a:rPr lang="es-PE" sz="1200" u="none" strike="noStrike">
+                          <a:effectLst/>
+                        </a:rPr>
+                        <a:t>18</a:t>
+                      </a:r>
+                      <a:endParaRPr lang="es-PE" sz="1200" b="0" i="0" u="none" strike="noStrike">
+                        <a:solidFill>
+                          <a:srgbClr val="000000"/>
+                        </a:solidFill>
+                        <a:effectLst/>
+                        <a:latin typeface="Calibri" panose="020F0502020204030204" pitchFamily="34" charset="0"/>
+                      </a:endParaRPr>
+                    </a:p>
+                  </a:txBody>
+                  <a:tcPr marL="6447" marR="6447" marT="6447" marB="0" anchor="b"/>
+                </a:tc>
+                <a:tc>
+                  <a:txBody>
+                    <a:bodyPr/>
+                    <a:lstStyle/>
+                    <a:p>
+                      <a:pPr algn="l" fontAlgn="b"/>
+                      <a:r>
+                        <a:rPr lang="es-PE" sz="1200" u="none" strike="noStrike">
+                          <a:effectLst/>
+                        </a:rPr>
+                        <a:t> </a:t>
+                      </a:r>
+                      <a:endParaRPr lang="es-PE" sz="1200" b="0" i="0" u="none" strike="noStrike">
+                        <a:solidFill>
+                          <a:srgbClr val="000000"/>
+                        </a:solidFill>
+                        <a:effectLst/>
+                        <a:latin typeface="Calibri" panose="020F0502020204030204" pitchFamily="34" charset="0"/>
+                      </a:endParaRPr>
+                    </a:p>
+                  </a:txBody>
+                  <a:tcPr marL="6447" marR="6447" marT="6447" marB="0" anchor="b"/>
+                </a:tc>
+                <a:tc>
+                  <a:txBody>
+                    <a:bodyPr/>
+                    <a:lstStyle/>
+                    <a:p>
+                      <a:pPr algn="l" fontAlgn="b"/>
+                      <a:r>
+                        <a:rPr lang="es-MX" sz="1100" u="none" strike="noStrike" dirty="0">
+                          <a:effectLst/>
+                        </a:rPr>
+                        <a:t>OPTIMIZACIÓN MEDIANTE COBERTURA DE LA LOSA DEPORTIVA MULTIUSO DE LA INSTITUCIÓN EDUCATIVA SECUNDARIA "HORACIO ZEVALLOS GÁMEZ" TURPAY, DISTRITO - TURPAY, PROVINCIA - GRAU, </a:t>
+                      </a:r>
+                      <a:r>
+                        <a:rPr lang="es-MX" sz="1200" u="none" strike="noStrike" dirty="0">
+                          <a:effectLst/>
+                        </a:rPr>
+                        <a:t>DEPARTAMENTO</a:t>
+                      </a:r>
+                      <a:r>
+                        <a:rPr lang="es-MX" sz="1100" u="none" strike="noStrike" dirty="0">
+                          <a:effectLst/>
+                        </a:rPr>
+                        <a:t> - APURÍMAC</a:t>
+                      </a:r>
+                      <a:endParaRPr lang="es-MX" sz="1100" b="0" i="0" u="none" strike="noStrike" dirty="0">
+                        <a:solidFill>
+                          <a:srgbClr val="000000"/>
+                        </a:solidFill>
+                        <a:effectLst/>
+                        <a:latin typeface="Arial" panose="020B0604020202020204" pitchFamily="34" charset="0"/>
+                      </a:endParaRPr>
+                    </a:p>
+                  </a:txBody>
+                  <a:tcPr marL="6447" marR="6447" marT="6447" marB="0" anchor="b"/>
+                </a:tc>
+                <a:tc>
+                  <a:txBody>
+                    <a:bodyPr/>
+                    <a:lstStyle/>
+                    <a:p>
+                      <a:pPr algn="l" fontAlgn="ctr"/>
+                      <a:r>
+                        <a:rPr lang="es-PE" sz="1200" u="none" strike="noStrike">
+                          <a:effectLst/>
+                        </a:rPr>
+                        <a:t> </a:t>
+                      </a:r>
+                      <a:endParaRPr lang="es-PE" sz="1200" b="0" i="0" u="none" strike="noStrike">
+                        <a:solidFill>
+                          <a:srgbClr val="000000"/>
+                        </a:solidFill>
+                        <a:effectLst/>
+                        <a:latin typeface="Calibri" panose="020F0502020204030204" pitchFamily="34" charset="0"/>
+                      </a:endParaRPr>
+                    </a:p>
+                  </a:txBody>
+                  <a:tcPr marL="6447" marR="6447" marT="6447" marB="0" anchor="ctr"/>
+                </a:tc>
+                <a:tc>
+                  <a:txBody>
+                    <a:bodyPr/>
+                    <a:lstStyle/>
+                    <a:p>
+                      <a:pPr algn="l" fontAlgn="b"/>
+                      <a:r>
+                        <a:rPr lang="es-PE" sz="1200" u="none" strike="noStrike">
+                          <a:effectLst/>
+                        </a:rPr>
+                        <a:t> </a:t>
+                      </a:r>
+                      <a:endParaRPr lang="es-PE" sz="1200" b="0" i="0" u="none" strike="noStrike">
+                        <a:solidFill>
+                          <a:srgbClr val="000000"/>
+                        </a:solidFill>
+                        <a:effectLst/>
+                        <a:latin typeface="Calibri" panose="020F0502020204030204" pitchFamily="34" charset="0"/>
+                      </a:endParaRPr>
+                    </a:p>
+                  </a:txBody>
+                  <a:tcPr marL="6447" marR="6447" marT="6447" marB="0" anchor="b"/>
+                </a:tc>
+                <a:tc>
+                  <a:txBody>
+                    <a:bodyPr/>
+                    <a:lstStyle/>
+                    <a:p>
+                      <a:pPr algn="l" fontAlgn="b"/>
+                      <a:r>
+                        <a:rPr lang="es-PE" sz="1200" u="none" strike="noStrike">
+                          <a:effectLst/>
+                        </a:rPr>
+                        <a:t> </a:t>
+                      </a:r>
+                      <a:endParaRPr lang="es-PE" sz="1200" b="0" i="0" u="none" strike="noStrike">
+                        <a:solidFill>
+                          <a:srgbClr val="000000"/>
+                        </a:solidFill>
+                        <a:effectLst/>
+                        <a:latin typeface="Calibri" panose="020F0502020204030204" pitchFamily="34" charset="0"/>
+                      </a:endParaRPr>
+                    </a:p>
+                  </a:txBody>
+                  <a:tcPr marL="6447" marR="6447" marT="6447" marB="0" anchor="b"/>
+                </a:tc>
+                <a:tc>
+                  <a:txBody>
+                    <a:bodyPr/>
+                    <a:lstStyle/>
+                    <a:p>
+                      <a:pPr algn="l" fontAlgn="b"/>
+                      <a:r>
+                        <a:rPr lang="es-PE" sz="1200" u="none" strike="noStrike">
+                          <a:effectLst/>
+                        </a:rPr>
+                        <a:t> </a:t>
+                      </a:r>
+                      <a:endParaRPr lang="es-PE" sz="1200" b="0" i="0" u="none" strike="noStrike">
+                        <a:solidFill>
+                          <a:srgbClr val="000000"/>
+                        </a:solidFill>
+                        <a:effectLst/>
+                        <a:latin typeface="Calibri" panose="020F0502020204030204" pitchFamily="34" charset="0"/>
+                      </a:endParaRPr>
+                    </a:p>
+                  </a:txBody>
+                  <a:tcPr marL="6447" marR="6447" marT="6447" marB="0" anchor="b"/>
+                </a:tc>
+                <a:extLst>
+                  <a:ext uri="{0D108BD9-81ED-4DB2-BD59-A6C34878D82A}">
+                    <a16:rowId xmlns:a16="http://schemas.microsoft.com/office/drawing/2014/main" val="3333388526"/>
+                  </a:ext>
+                </a:extLst>
+              </a:tr>
+              <a:tr h="711476">
+                <a:tc>
+                  <a:txBody>
+                    <a:bodyPr/>
+                    <a:lstStyle/>
+                    <a:p>
+                      <a:pPr algn="ctr" fontAlgn="b"/>
+                      <a:r>
+                        <a:rPr lang="es-PE" sz="1200" u="none" strike="noStrike">
+                          <a:effectLst/>
+                        </a:rPr>
+                        <a:t>19</a:t>
+                      </a:r>
+                      <a:endParaRPr lang="es-PE" sz="1200" b="0" i="0" u="none" strike="noStrike">
+                        <a:solidFill>
+                          <a:srgbClr val="000000"/>
+                        </a:solidFill>
+                        <a:effectLst/>
+                        <a:latin typeface="Calibri" panose="020F0502020204030204" pitchFamily="34" charset="0"/>
+                      </a:endParaRPr>
+                    </a:p>
+                  </a:txBody>
+                  <a:tcPr marL="6447" marR="6447" marT="6447" marB="0" anchor="b"/>
+                </a:tc>
+                <a:tc>
+                  <a:txBody>
+                    <a:bodyPr/>
+                    <a:lstStyle/>
+                    <a:p>
+                      <a:pPr algn="l" fontAlgn="b"/>
+                      <a:r>
+                        <a:rPr lang="es-PE" sz="1200" u="none" strike="noStrike">
+                          <a:effectLst/>
+                        </a:rPr>
+                        <a:t> </a:t>
+                      </a:r>
+                      <a:endParaRPr lang="es-PE" sz="1200" b="0" i="0" u="none" strike="noStrike">
+                        <a:solidFill>
+                          <a:srgbClr val="000000"/>
+                        </a:solidFill>
+                        <a:effectLst/>
+                        <a:latin typeface="Calibri" panose="020F0502020204030204" pitchFamily="34" charset="0"/>
+                      </a:endParaRPr>
+                    </a:p>
+                  </a:txBody>
+                  <a:tcPr marL="6447" marR="6447" marT="6447" marB="0" anchor="b"/>
+                </a:tc>
+                <a:tc>
+                  <a:txBody>
+                    <a:bodyPr/>
+                    <a:lstStyle/>
+                    <a:p>
+                      <a:pPr algn="l" fontAlgn="b"/>
+                      <a:r>
+                        <a:rPr lang="es-MX" sz="1100" u="none" strike="noStrike">
+                          <a:effectLst/>
+                        </a:rPr>
+                        <a:t>OPTIMIZACIÓN MEDIANTE COBERTURA DE LA LOSA DEPORTIVA MULTIUSO DE LA INSTITUCIÓN EDUCATIVA SECUNDARIA "TÚPAC AMARU II" SAN ANTONIO, DISTRITO - SAN ANTONIO, PROVINCIA - GRAU, DEPARTAMENTO - APURÍMAC    </a:t>
+                      </a:r>
+                      <a:endParaRPr lang="es-MX" sz="1100" b="0" i="0" u="none" strike="noStrike">
+                        <a:solidFill>
+                          <a:srgbClr val="000000"/>
+                        </a:solidFill>
+                        <a:effectLst/>
+                        <a:latin typeface="Arial" panose="020B0604020202020204" pitchFamily="34" charset="0"/>
+                      </a:endParaRPr>
+                    </a:p>
+                  </a:txBody>
+                  <a:tcPr marL="6447" marR="6447" marT="6447" marB="0" anchor="b"/>
+                </a:tc>
+                <a:tc>
+                  <a:txBody>
+                    <a:bodyPr/>
+                    <a:lstStyle/>
+                    <a:p>
+                      <a:pPr algn="l" fontAlgn="ctr"/>
+                      <a:r>
+                        <a:rPr lang="es-PE" sz="1200" u="none" strike="noStrike">
+                          <a:effectLst/>
+                        </a:rPr>
+                        <a:t> </a:t>
+                      </a:r>
+                      <a:endParaRPr lang="es-PE" sz="1200" b="0" i="0" u="none" strike="noStrike">
+                        <a:solidFill>
+                          <a:srgbClr val="000000"/>
+                        </a:solidFill>
+                        <a:effectLst/>
+                        <a:latin typeface="Calibri" panose="020F0502020204030204" pitchFamily="34" charset="0"/>
+                      </a:endParaRPr>
+                    </a:p>
+                  </a:txBody>
+                  <a:tcPr marL="6447" marR="6447" marT="6447" marB="0" anchor="ctr"/>
+                </a:tc>
+                <a:tc>
+                  <a:txBody>
+                    <a:bodyPr/>
+                    <a:lstStyle/>
+                    <a:p>
+                      <a:pPr algn="l" fontAlgn="b"/>
+                      <a:r>
+                        <a:rPr lang="es-PE" sz="1200" u="none" strike="noStrike">
+                          <a:effectLst/>
+                        </a:rPr>
+                        <a:t> </a:t>
+                      </a:r>
+                      <a:endParaRPr lang="es-PE" sz="1200" b="0" i="0" u="none" strike="noStrike">
+                        <a:solidFill>
+                          <a:srgbClr val="000000"/>
+                        </a:solidFill>
+                        <a:effectLst/>
+                        <a:latin typeface="Calibri" panose="020F0502020204030204" pitchFamily="34" charset="0"/>
+                      </a:endParaRPr>
+                    </a:p>
+                  </a:txBody>
+                  <a:tcPr marL="6447" marR="6447" marT="6447" marB="0" anchor="b"/>
+                </a:tc>
+                <a:tc>
+                  <a:txBody>
+                    <a:bodyPr/>
+                    <a:lstStyle/>
+                    <a:p>
+                      <a:pPr algn="l" fontAlgn="b"/>
+                      <a:r>
+                        <a:rPr lang="es-PE" sz="1200" u="none" strike="noStrike">
+                          <a:effectLst/>
+                        </a:rPr>
+                        <a:t> </a:t>
+                      </a:r>
+                      <a:endParaRPr lang="es-PE" sz="1200" b="0" i="0" u="none" strike="noStrike">
+                        <a:solidFill>
+                          <a:srgbClr val="000000"/>
+                        </a:solidFill>
+                        <a:effectLst/>
+                        <a:latin typeface="Calibri" panose="020F0502020204030204" pitchFamily="34" charset="0"/>
+                      </a:endParaRPr>
+                    </a:p>
+                  </a:txBody>
+                  <a:tcPr marL="6447" marR="6447" marT="6447" marB="0" anchor="b"/>
+                </a:tc>
+                <a:tc>
+                  <a:txBody>
+                    <a:bodyPr/>
+                    <a:lstStyle/>
+                    <a:p>
+                      <a:pPr algn="l" fontAlgn="b"/>
+                      <a:r>
+                        <a:rPr lang="es-PE" sz="1200" u="none" strike="noStrike">
+                          <a:effectLst/>
+                        </a:rPr>
+                        <a:t> </a:t>
+                      </a:r>
+                      <a:endParaRPr lang="es-PE" sz="1200" b="0" i="0" u="none" strike="noStrike">
+                        <a:solidFill>
+                          <a:srgbClr val="000000"/>
+                        </a:solidFill>
+                        <a:effectLst/>
+                        <a:latin typeface="Calibri" panose="020F0502020204030204" pitchFamily="34" charset="0"/>
+                      </a:endParaRPr>
+                    </a:p>
+                  </a:txBody>
+                  <a:tcPr marL="6447" marR="6447" marT="6447" marB="0" anchor="b"/>
+                </a:tc>
+                <a:extLst>
+                  <a:ext uri="{0D108BD9-81ED-4DB2-BD59-A6C34878D82A}">
+                    <a16:rowId xmlns:a16="http://schemas.microsoft.com/office/drawing/2014/main" val="2265938587"/>
+                  </a:ext>
+                </a:extLst>
+              </a:tr>
+              <a:tr h="711476">
+                <a:tc>
+                  <a:txBody>
+                    <a:bodyPr/>
+                    <a:lstStyle/>
+                    <a:p>
+                      <a:pPr algn="ctr" fontAlgn="b"/>
+                      <a:r>
+                        <a:rPr lang="es-PE" sz="1200" u="none" strike="noStrike">
+                          <a:effectLst/>
+                        </a:rPr>
+                        <a:t>20</a:t>
+                      </a:r>
+                      <a:endParaRPr lang="es-PE" sz="1200" b="0" i="0" u="none" strike="noStrike">
+                        <a:solidFill>
+                          <a:srgbClr val="000000"/>
+                        </a:solidFill>
+                        <a:effectLst/>
+                        <a:latin typeface="Calibri" panose="020F0502020204030204" pitchFamily="34" charset="0"/>
+                      </a:endParaRPr>
+                    </a:p>
+                  </a:txBody>
+                  <a:tcPr marL="6447" marR="6447" marT="6447" marB="0" anchor="b"/>
+                </a:tc>
+                <a:tc>
+                  <a:txBody>
+                    <a:bodyPr/>
+                    <a:lstStyle/>
+                    <a:p>
+                      <a:pPr algn="l" fontAlgn="b"/>
+                      <a:r>
+                        <a:rPr lang="es-PE" sz="1200" u="none" strike="noStrike">
+                          <a:effectLst/>
+                        </a:rPr>
+                        <a:t> </a:t>
+                      </a:r>
+                      <a:endParaRPr lang="es-PE" sz="1200" b="0" i="0" u="none" strike="noStrike">
+                        <a:solidFill>
+                          <a:srgbClr val="000000"/>
+                        </a:solidFill>
+                        <a:effectLst/>
+                        <a:latin typeface="Calibri" panose="020F0502020204030204" pitchFamily="34" charset="0"/>
+                      </a:endParaRPr>
+                    </a:p>
+                  </a:txBody>
+                  <a:tcPr marL="6447" marR="6447" marT="6447" marB="0" anchor="b"/>
+                </a:tc>
+                <a:tc>
+                  <a:txBody>
+                    <a:bodyPr/>
+                    <a:lstStyle/>
+                    <a:p>
+                      <a:pPr algn="l" fontAlgn="b"/>
+                      <a:r>
+                        <a:rPr lang="es-PE" sz="1100" u="none" strike="noStrike">
+                          <a:effectLst/>
+                        </a:rPr>
+                        <a:t>OPTIMIZACIÓN MEDIANTE COBERTURA DE LA LOSA DEPORTIVA MULTIUSO DE LA INSTITUCIÓN EDUCATIVA SECUNDARIA "GUILLERMO VILADEGUT FERROFINO" CURASCO, DISTRITO - CURASCO, PROVINCIA - GRAU, DEPARTAMENTO - APURÍMAC   </a:t>
+                      </a:r>
+                      <a:endParaRPr lang="es-PE" sz="1100" b="0" i="0" u="none" strike="noStrike">
+                        <a:solidFill>
+                          <a:srgbClr val="000000"/>
+                        </a:solidFill>
+                        <a:effectLst/>
+                        <a:latin typeface="Arial" panose="020B0604020202020204" pitchFamily="34" charset="0"/>
+                      </a:endParaRPr>
+                    </a:p>
+                  </a:txBody>
+                  <a:tcPr marL="6447" marR="6447" marT="6447" marB="0" anchor="b"/>
+                </a:tc>
+                <a:tc>
+                  <a:txBody>
+                    <a:bodyPr/>
+                    <a:lstStyle/>
+                    <a:p>
+                      <a:pPr algn="l" fontAlgn="ctr"/>
+                      <a:r>
+                        <a:rPr lang="es-PE" sz="1200" u="none" strike="noStrike">
+                          <a:effectLst/>
+                        </a:rPr>
+                        <a:t> </a:t>
+                      </a:r>
+                      <a:endParaRPr lang="es-PE" sz="1200" b="0" i="0" u="none" strike="noStrike">
+                        <a:solidFill>
+                          <a:srgbClr val="000000"/>
+                        </a:solidFill>
+                        <a:effectLst/>
+                        <a:latin typeface="Calibri" panose="020F0502020204030204" pitchFamily="34" charset="0"/>
+                      </a:endParaRPr>
+                    </a:p>
+                  </a:txBody>
+                  <a:tcPr marL="6447" marR="6447" marT="6447" marB="0" anchor="ctr"/>
+                </a:tc>
+                <a:tc>
+                  <a:txBody>
+                    <a:bodyPr/>
+                    <a:lstStyle/>
+                    <a:p>
+                      <a:pPr algn="l" fontAlgn="b"/>
+                      <a:r>
+                        <a:rPr lang="es-PE" sz="1200" u="none" strike="noStrike">
+                          <a:effectLst/>
+                        </a:rPr>
+                        <a:t> </a:t>
+                      </a:r>
+                      <a:endParaRPr lang="es-PE" sz="1200" b="0" i="0" u="none" strike="noStrike">
+                        <a:solidFill>
+                          <a:srgbClr val="000000"/>
+                        </a:solidFill>
+                        <a:effectLst/>
+                        <a:latin typeface="Calibri" panose="020F0502020204030204" pitchFamily="34" charset="0"/>
+                      </a:endParaRPr>
+                    </a:p>
+                  </a:txBody>
+                  <a:tcPr marL="6447" marR="6447" marT="6447" marB="0" anchor="b"/>
+                </a:tc>
+                <a:tc>
+                  <a:txBody>
+                    <a:bodyPr/>
+                    <a:lstStyle/>
+                    <a:p>
+                      <a:pPr algn="l" fontAlgn="b"/>
+                      <a:r>
+                        <a:rPr lang="es-PE" sz="1200" u="none" strike="noStrike">
+                          <a:effectLst/>
+                        </a:rPr>
+                        <a:t> </a:t>
+                      </a:r>
+                      <a:endParaRPr lang="es-PE" sz="1200" b="0" i="0" u="none" strike="noStrike">
+                        <a:solidFill>
+                          <a:srgbClr val="000000"/>
+                        </a:solidFill>
+                        <a:effectLst/>
+                        <a:latin typeface="Calibri" panose="020F0502020204030204" pitchFamily="34" charset="0"/>
+                      </a:endParaRPr>
+                    </a:p>
+                  </a:txBody>
+                  <a:tcPr marL="6447" marR="6447" marT="6447" marB="0" anchor="b"/>
+                </a:tc>
+                <a:tc>
+                  <a:txBody>
+                    <a:bodyPr/>
+                    <a:lstStyle/>
+                    <a:p>
+                      <a:pPr algn="l" fontAlgn="b"/>
+                      <a:r>
+                        <a:rPr lang="es-PE" sz="1200" u="none" strike="noStrike">
+                          <a:effectLst/>
+                        </a:rPr>
+                        <a:t> </a:t>
+                      </a:r>
+                      <a:endParaRPr lang="es-PE" sz="1200" b="0" i="0" u="none" strike="noStrike">
+                        <a:solidFill>
+                          <a:srgbClr val="000000"/>
+                        </a:solidFill>
+                        <a:effectLst/>
+                        <a:latin typeface="Calibri" panose="020F0502020204030204" pitchFamily="34" charset="0"/>
+                      </a:endParaRPr>
+                    </a:p>
+                  </a:txBody>
+                  <a:tcPr marL="6447" marR="6447" marT="6447" marB="0" anchor="b"/>
+                </a:tc>
+                <a:extLst>
+                  <a:ext uri="{0D108BD9-81ED-4DB2-BD59-A6C34878D82A}">
+                    <a16:rowId xmlns:a16="http://schemas.microsoft.com/office/drawing/2014/main" val="571562770"/>
+                  </a:ext>
+                </a:extLst>
+              </a:tr>
+              <a:tr h="711476">
+                <a:tc>
+                  <a:txBody>
+                    <a:bodyPr/>
+                    <a:lstStyle/>
+                    <a:p>
+                      <a:pPr algn="ctr" fontAlgn="b"/>
+                      <a:r>
+                        <a:rPr lang="es-PE" sz="1200" u="none" strike="noStrike">
+                          <a:effectLst/>
+                        </a:rPr>
+                        <a:t>21</a:t>
+                      </a:r>
+                      <a:endParaRPr lang="es-PE" sz="1200" b="0" i="0" u="none" strike="noStrike">
+                        <a:solidFill>
+                          <a:srgbClr val="000000"/>
+                        </a:solidFill>
+                        <a:effectLst/>
+                        <a:latin typeface="Calibri" panose="020F0502020204030204" pitchFamily="34" charset="0"/>
+                      </a:endParaRPr>
+                    </a:p>
+                  </a:txBody>
+                  <a:tcPr marL="6447" marR="6447" marT="6447" marB="0" anchor="b"/>
+                </a:tc>
+                <a:tc>
+                  <a:txBody>
+                    <a:bodyPr/>
+                    <a:lstStyle/>
+                    <a:p>
+                      <a:pPr algn="l" fontAlgn="b"/>
+                      <a:r>
+                        <a:rPr lang="es-PE" sz="1200" u="none" strike="noStrike">
+                          <a:effectLst/>
+                        </a:rPr>
+                        <a:t> </a:t>
+                      </a:r>
+                      <a:endParaRPr lang="es-PE" sz="1200" b="0" i="0" u="none" strike="noStrike">
+                        <a:solidFill>
+                          <a:srgbClr val="000000"/>
+                        </a:solidFill>
+                        <a:effectLst/>
+                        <a:latin typeface="Calibri" panose="020F0502020204030204" pitchFamily="34" charset="0"/>
+                      </a:endParaRPr>
+                    </a:p>
+                  </a:txBody>
+                  <a:tcPr marL="6447" marR="6447" marT="6447" marB="0" anchor="b"/>
+                </a:tc>
+                <a:tc>
+                  <a:txBody>
+                    <a:bodyPr/>
+                    <a:lstStyle/>
+                    <a:p>
+                      <a:pPr algn="l" fontAlgn="b"/>
+                      <a:r>
+                        <a:rPr lang="es-PE" sz="1100" u="none" strike="noStrike">
+                          <a:effectLst/>
+                        </a:rPr>
+                        <a:t>OPTIMIZACIÓN MEDIANTE COBERTURA DE LA LOSA DEPORTIVA MULTIUSO DE LA INSTITUCIÓN EDUCATIVA PRIMARIA N° 54417 "SANTA ROSA", DISTRITO - VIRUNDO , PROVINCIA - GRAU, DEPARTAMENTO - APURÍMAC                 </a:t>
+                      </a:r>
+                      <a:endParaRPr lang="es-PE" sz="1100" b="0" i="0" u="none" strike="noStrike">
+                        <a:solidFill>
+                          <a:srgbClr val="000000"/>
+                        </a:solidFill>
+                        <a:effectLst/>
+                        <a:latin typeface="Arial" panose="020B0604020202020204" pitchFamily="34" charset="0"/>
+                      </a:endParaRPr>
+                    </a:p>
+                  </a:txBody>
+                  <a:tcPr marL="6447" marR="6447" marT="6447" marB="0" anchor="b"/>
+                </a:tc>
+                <a:tc>
+                  <a:txBody>
+                    <a:bodyPr/>
+                    <a:lstStyle/>
+                    <a:p>
+                      <a:pPr algn="l" fontAlgn="ctr"/>
+                      <a:r>
+                        <a:rPr lang="es-PE" sz="1200" u="none" strike="noStrike">
+                          <a:effectLst/>
+                        </a:rPr>
+                        <a:t> </a:t>
+                      </a:r>
+                      <a:endParaRPr lang="es-PE" sz="1200" b="0" i="0" u="none" strike="noStrike">
+                        <a:solidFill>
+                          <a:srgbClr val="000000"/>
+                        </a:solidFill>
+                        <a:effectLst/>
+                        <a:latin typeface="Calibri" panose="020F0502020204030204" pitchFamily="34" charset="0"/>
+                      </a:endParaRPr>
+                    </a:p>
+                  </a:txBody>
+                  <a:tcPr marL="6447" marR="6447" marT="6447" marB="0" anchor="ctr"/>
+                </a:tc>
+                <a:tc>
+                  <a:txBody>
+                    <a:bodyPr/>
+                    <a:lstStyle/>
+                    <a:p>
+                      <a:pPr algn="l" fontAlgn="b"/>
+                      <a:r>
+                        <a:rPr lang="es-PE" sz="1200" u="none" strike="noStrike">
+                          <a:effectLst/>
+                        </a:rPr>
+                        <a:t> </a:t>
+                      </a:r>
+                      <a:endParaRPr lang="es-PE" sz="1200" b="0" i="0" u="none" strike="noStrike">
+                        <a:solidFill>
+                          <a:srgbClr val="000000"/>
+                        </a:solidFill>
+                        <a:effectLst/>
+                        <a:latin typeface="Calibri" panose="020F0502020204030204" pitchFamily="34" charset="0"/>
+                      </a:endParaRPr>
+                    </a:p>
+                  </a:txBody>
+                  <a:tcPr marL="6447" marR="6447" marT="6447" marB="0" anchor="b"/>
+                </a:tc>
+                <a:tc>
+                  <a:txBody>
+                    <a:bodyPr/>
+                    <a:lstStyle/>
+                    <a:p>
+                      <a:pPr algn="l" fontAlgn="b"/>
+                      <a:r>
+                        <a:rPr lang="es-PE" sz="1200" u="none" strike="noStrike">
+                          <a:effectLst/>
+                        </a:rPr>
+                        <a:t> </a:t>
+                      </a:r>
+                      <a:endParaRPr lang="es-PE" sz="1200" b="0" i="0" u="none" strike="noStrike">
+                        <a:solidFill>
+                          <a:srgbClr val="000000"/>
+                        </a:solidFill>
+                        <a:effectLst/>
+                        <a:latin typeface="Calibri" panose="020F0502020204030204" pitchFamily="34" charset="0"/>
+                      </a:endParaRPr>
+                    </a:p>
+                  </a:txBody>
+                  <a:tcPr marL="6447" marR="6447" marT="6447" marB="0" anchor="b"/>
+                </a:tc>
+                <a:tc>
+                  <a:txBody>
+                    <a:bodyPr/>
+                    <a:lstStyle/>
+                    <a:p>
+                      <a:pPr algn="l" fontAlgn="b"/>
+                      <a:r>
+                        <a:rPr lang="es-PE" sz="1200" u="none" strike="noStrike">
+                          <a:effectLst/>
+                        </a:rPr>
+                        <a:t> </a:t>
+                      </a:r>
+                      <a:endParaRPr lang="es-PE" sz="1200" b="0" i="0" u="none" strike="noStrike">
+                        <a:solidFill>
+                          <a:srgbClr val="000000"/>
+                        </a:solidFill>
+                        <a:effectLst/>
+                        <a:latin typeface="Calibri" panose="020F0502020204030204" pitchFamily="34" charset="0"/>
+                      </a:endParaRPr>
+                    </a:p>
+                  </a:txBody>
+                  <a:tcPr marL="6447" marR="6447" marT="6447" marB="0" anchor="b"/>
+                </a:tc>
+                <a:extLst>
+                  <a:ext uri="{0D108BD9-81ED-4DB2-BD59-A6C34878D82A}">
+                    <a16:rowId xmlns:a16="http://schemas.microsoft.com/office/drawing/2014/main" val="2689826761"/>
+                  </a:ext>
+                </a:extLst>
+              </a:tr>
+              <a:tr h="711476">
+                <a:tc>
+                  <a:txBody>
+                    <a:bodyPr/>
+                    <a:lstStyle/>
+                    <a:p>
+                      <a:pPr algn="ctr" fontAlgn="b"/>
+                      <a:r>
+                        <a:rPr lang="es-PE" sz="1200" u="none" strike="noStrike">
+                          <a:effectLst/>
+                        </a:rPr>
+                        <a:t>22</a:t>
+                      </a:r>
+                      <a:endParaRPr lang="es-PE" sz="1200" b="0" i="0" u="none" strike="noStrike">
+                        <a:solidFill>
+                          <a:srgbClr val="000000"/>
+                        </a:solidFill>
+                        <a:effectLst/>
+                        <a:latin typeface="Calibri" panose="020F0502020204030204" pitchFamily="34" charset="0"/>
+                      </a:endParaRPr>
+                    </a:p>
+                  </a:txBody>
+                  <a:tcPr marL="6447" marR="6447" marT="6447" marB="0" anchor="b"/>
+                </a:tc>
+                <a:tc>
+                  <a:txBody>
+                    <a:bodyPr/>
+                    <a:lstStyle/>
+                    <a:p>
+                      <a:pPr algn="l" fontAlgn="b"/>
+                      <a:r>
+                        <a:rPr lang="es-PE" sz="1200" u="none" strike="noStrike">
+                          <a:effectLst/>
+                        </a:rPr>
+                        <a:t> </a:t>
+                      </a:r>
+                      <a:endParaRPr lang="es-PE" sz="1200" b="0" i="0" u="none" strike="noStrike">
+                        <a:solidFill>
+                          <a:srgbClr val="000000"/>
+                        </a:solidFill>
+                        <a:effectLst/>
+                        <a:latin typeface="Calibri" panose="020F0502020204030204" pitchFamily="34" charset="0"/>
+                      </a:endParaRPr>
+                    </a:p>
+                  </a:txBody>
+                  <a:tcPr marL="6447" marR="6447" marT="6447" marB="0" anchor="b"/>
+                </a:tc>
+                <a:tc>
+                  <a:txBody>
+                    <a:bodyPr/>
+                    <a:lstStyle/>
+                    <a:p>
+                      <a:pPr algn="l" fontAlgn="b"/>
+                      <a:r>
+                        <a:rPr lang="es-MX" sz="1100" u="none" strike="noStrike">
+                          <a:effectLst/>
+                        </a:rPr>
+                        <a:t>OPTIMIZACIÓN DE  AMBIENTES PEDAGÓGICOS, CONSTRUCCIÓN DE AMBIENTES ADMINISTRATIVOS Y CERCO PERIMÉTRICOS DE LA IES RENZO MICHELLE" CHUQUIBAMBILLA  DISTRITO DE CHUQUIBAMBILLA, PROVINCIA DE GRAU, REGIÓN APURÍMAC.</a:t>
+                      </a:r>
+                      <a:endParaRPr lang="es-MX" sz="1100" b="0" i="0" u="none" strike="noStrike">
+                        <a:solidFill>
+                          <a:srgbClr val="000000"/>
+                        </a:solidFill>
+                        <a:effectLst/>
+                        <a:latin typeface="Arial" panose="020B0604020202020204" pitchFamily="34" charset="0"/>
+                      </a:endParaRPr>
+                    </a:p>
+                  </a:txBody>
+                  <a:tcPr marL="6447" marR="6447" marT="6447" marB="0" anchor="b"/>
+                </a:tc>
+                <a:tc>
+                  <a:txBody>
+                    <a:bodyPr/>
+                    <a:lstStyle/>
+                    <a:p>
+                      <a:pPr algn="l" fontAlgn="ctr"/>
+                      <a:r>
+                        <a:rPr lang="es-PE" sz="1200" u="none" strike="noStrike">
+                          <a:effectLst/>
+                        </a:rPr>
+                        <a:t> </a:t>
+                      </a:r>
+                      <a:endParaRPr lang="es-PE" sz="1200" b="0" i="0" u="none" strike="noStrike">
+                        <a:solidFill>
+                          <a:srgbClr val="000000"/>
+                        </a:solidFill>
+                        <a:effectLst/>
+                        <a:latin typeface="Calibri" panose="020F0502020204030204" pitchFamily="34" charset="0"/>
+                      </a:endParaRPr>
+                    </a:p>
+                  </a:txBody>
+                  <a:tcPr marL="6447" marR="6447" marT="6447" marB="0" anchor="ctr"/>
+                </a:tc>
+                <a:tc>
+                  <a:txBody>
+                    <a:bodyPr/>
+                    <a:lstStyle/>
+                    <a:p>
+                      <a:pPr algn="l" fontAlgn="b"/>
+                      <a:r>
+                        <a:rPr lang="es-PE" sz="1200" u="none" strike="noStrike">
+                          <a:effectLst/>
+                        </a:rPr>
+                        <a:t> </a:t>
+                      </a:r>
+                      <a:endParaRPr lang="es-PE" sz="1200" b="0" i="0" u="none" strike="noStrike">
+                        <a:solidFill>
+                          <a:srgbClr val="000000"/>
+                        </a:solidFill>
+                        <a:effectLst/>
+                        <a:latin typeface="Calibri" panose="020F0502020204030204" pitchFamily="34" charset="0"/>
+                      </a:endParaRPr>
+                    </a:p>
+                  </a:txBody>
+                  <a:tcPr marL="6447" marR="6447" marT="6447" marB="0" anchor="b"/>
+                </a:tc>
+                <a:tc>
+                  <a:txBody>
+                    <a:bodyPr/>
+                    <a:lstStyle/>
+                    <a:p>
+                      <a:pPr algn="l" fontAlgn="b"/>
+                      <a:r>
+                        <a:rPr lang="es-PE" sz="1200" u="none" strike="noStrike">
+                          <a:effectLst/>
+                        </a:rPr>
+                        <a:t> </a:t>
+                      </a:r>
+                      <a:endParaRPr lang="es-PE" sz="1200" b="0" i="0" u="none" strike="noStrike">
+                        <a:solidFill>
+                          <a:srgbClr val="000000"/>
+                        </a:solidFill>
+                        <a:effectLst/>
+                        <a:latin typeface="Calibri" panose="020F0502020204030204" pitchFamily="34" charset="0"/>
+                      </a:endParaRPr>
+                    </a:p>
+                  </a:txBody>
+                  <a:tcPr marL="6447" marR="6447" marT="6447" marB="0" anchor="b"/>
+                </a:tc>
+                <a:tc>
+                  <a:txBody>
+                    <a:bodyPr/>
+                    <a:lstStyle/>
+                    <a:p>
+                      <a:pPr algn="l" fontAlgn="b"/>
+                      <a:r>
+                        <a:rPr lang="es-PE" sz="1200" u="none" strike="noStrike">
+                          <a:effectLst/>
+                        </a:rPr>
+                        <a:t> </a:t>
+                      </a:r>
+                      <a:endParaRPr lang="es-PE" sz="1200" b="0" i="0" u="none" strike="noStrike">
+                        <a:solidFill>
+                          <a:srgbClr val="000000"/>
+                        </a:solidFill>
+                        <a:effectLst/>
+                        <a:latin typeface="Calibri" panose="020F0502020204030204" pitchFamily="34" charset="0"/>
+                      </a:endParaRPr>
+                    </a:p>
+                  </a:txBody>
+                  <a:tcPr marL="6447" marR="6447" marT="6447" marB="0" anchor="b"/>
+                </a:tc>
+                <a:extLst>
+                  <a:ext uri="{0D108BD9-81ED-4DB2-BD59-A6C34878D82A}">
+                    <a16:rowId xmlns:a16="http://schemas.microsoft.com/office/drawing/2014/main" val="1532821043"/>
+                  </a:ext>
+                </a:extLst>
+              </a:tr>
+              <a:tr h="711476">
+                <a:tc>
+                  <a:txBody>
+                    <a:bodyPr/>
+                    <a:lstStyle/>
+                    <a:p>
+                      <a:pPr algn="ctr" fontAlgn="b"/>
+                      <a:r>
+                        <a:rPr lang="es-PE" sz="1200" u="none" strike="noStrike">
+                          <a:effectLst/>
+                        </a:rPr>
+                        <a:t>23</a:t>
+                      </a:r>
+                      <a:endParaRPr lang="es-PE" sz="1200" b="0" i="0" u="none" strike="noStrike">
+                        <a:solidFill>
+                          <a:srgbClr val="000000"/>
+                        </a:solidFill>
+                        <a:effectLst/>
+                        <a:latin typeface="Calibri" panose="020F0502020204030204" pitchFamily="34" charset="0"/>
+                      </a:endParaRPr>
+                    </a:p>
+                  </a:txBody>
+                  <a:tcPr marL="6447" marR="6447" marT="6447" marB="0" anchor="b"/>
+                </a:tc>
+                <a:tc>
+                  <a:txBody>
+                    <a:bodyPr/>
+                    <a:lstStyle/>
+                    <a:p>
+                      <a:pPr algn="l" fontAlgn="b"/>
+                      <a:r>
+                        <a:rPr lang="es-PE" sz="1200" u="none" strike="noStrike">
+                          <a:effectLst/>
+                        </a:rPr>
+                        <a:t> </a:t>
+                      </a:r>
+                      <a:endParaRPr lang="es-PE" sz="1200" b="0" i="0" u="none" strike="noStrike">
+                        <a:solidFill>
+                          <a:srgbClr val="000000"/>
+                        </a:solidFill>
+                        <a:effectLst/>
+                        <a:latin typeface="Calibri" panose="020F0502020204030204" pitchFamily="34" charset="0"/>
+                      </a:endParaRPr>
+                    </a:p>
+                  </a:txBody>
+                  <a:tcPr marL="6447" marR="6447" marT="6447" marB="0" anchor="b"/>
+                </a:tc>
+                <a:tc>
+                  <a:txBody>
+                    <a:bodyPr/>
+                    <a:lstStyle/>
+                    <a:p>
+                      <a:pPr algn="l" fontAlgn="b"/>
+                      <a:r>
+                        <a:rPr lang="es-PE" sz="1100" u="none" strike="noStrike">
+                          <a:effectLst/>
+                        </a:rPr>
+                        <a:t>OPTIMIZACIÓN MEDIANTE COBERTURA DE LA LOSA DEPORTIVA MULTIUSO DE LA INSTITUCIÓN EDUCATIVA SECUNDARIA "CCORICHICHINA"  DISTRITO - HUAYLLATI, PROVINCIA - GRAU, DEPARTAMENTO - APURÍMAC.</a:t>
+                      </a:r>
+                      <a:endParaRPr lang="es-PE" sz="1100" b="0" i="0" u="none" strike="noStrike">
+                        <a:solidFill>
+                          <a:srgbClr val="000000"/>
+                        </a:solidFill>
+                        <a:effectLst/>
+                        <a:latin typeface="Arial" panose="020B0604020202020204" pitchFamily="34" charset="0"/>
+                      </a:endParaRPr>
+                    </a:p>
+                  </a:txBody>
+                  <a:tcPr marL="6447" marR="6447" marT="6447" marB="0" anchor="b"/>
+                </a:tc>
+                <a:tc>
+                  <a:txBody>
+                    <a:bodyPr/>
+                    <a:lstStyle/>
+                    <a:p>
+                      <a:pPr algn="l" fontAlgn="ctr"/>
+                      <a:r>
+                        <a:rPr lang="es-PE" sz="1200" u="none" strike="noStrike">
+                          <a:effectLst/>
+                        </a:rPr>
+                        <a:t> </a:t>
+                      </a:r>
+                      <a:endParaRPr lang="es-PE" sz="1200" b="0" i="0" u="none" strike="noStrike">
+                        <a:solidFill>
+                          <a:srgbClr val="000000"/>
+                        </a:solidFill>
+                        <a:effectLst/>
+                        <a:latin typeface="Calibri" panose="020F0502020204030204" pitchFamily="34" charset="0"/>
+                      </a:endParaRPr>
+                    </a:p>
+                  </a:txBody>
+                  <a:tcPr marL="6447" marR="6447" marT="6447" marB="0" anchor="ctr"/>
+                </a:tc>
+                <a:tc>
+                  <a:txBody>
+                    <a:bodyPr/>
+                    <a:lstStyle/>
+                    <a:p>
+                      <a:pPr algn="l" fontAlgn="b"/>
+                      <a:r>
+                        <a:rPr lang="es-PE" sz="1200" u="none" strike="noStrike">
+                          <a:effectLst/>
+                        </a:rPr>
+                        <a:t> </a:t>
+                      </a:r>
+                      <a:endParaRPr lang="es-PE" sz="1200" b="0" i="0" u="none" strike="noStrike">
+                        <a:solidFill>
+                          <a:srgbClr val="000000"/>
+                        </a:solidFill>
+                        <a:effectLst/>
+                        <a:latin typeface="Calibri" panose="020F0502020204030204" pitchFamily="34" charset="0"/>
+                      </a:endParaRPr>
+                    </a:p>
+                  </a:txBody>
+                  <a:tcPr marL="6447" marR="6447" marT="6447" marB="0" anchor="b"/>
+                </a:tc>
+                <a:tc>
+                  <a:txBody>
+                    <a:bodyPr/>
+                    <a:lstStyle/>
+                    <a:p>
+                      <a:pPr algn="l" fontAlgn="b"/>
+                      <a:r>
+                        <a:rPr lang="es-PE" sz="1200" u="none" strike="noStrike">
+                          <a:effectLst/>
+                        </a:rPr>
+                        <a:t> </a:t>
+                      </a:r>
+                      <a:endParaRPr lang="es-PE" sz="1200" b="0" i="0" u="none" strike="noStrike">
+                        <a:solidFill>
+                          <a:srgbClr val="000000"/>
+                        </a:solidFill>
+                        <a:effectLst/>
+                        <a:latin typeface="Calibri" panose="020F0502020204030204" pitchFamily="34" charset="0"/>
+                      </a:endParaRPr>
+                    </a:p>
+                  </a:txBody>
+                  <a:tcPr marL="6447" marR="6447" marT="6447" marB="0" anchor="b"/>
+                </a:tc>
+                <a:tc>
+                  <a:txBody>
+                    <a:bodyPr/>
+                    <a:lstStyle/>
+                    <a:p>
+                      <a:pPr algn="l" fontAlgn="b"/>
+                      <a:r>
+                        <a:rPr lang="es-PE" sz="1200" u="none" strike="noStrike">
+                          <a:effectLst/>
+                        </a:rPr>
+                        <a:t> </a:t>
+                      </a:r>
+                      <a:endParaRPr lang="es-PE" sz="1200" b="0" i="0" u="none" strike="noStrike">
+                        <a:solidFill>
+                          <a:srgbClr val="000000"/>
+                        </a:solidFill>
+                        <a:effectLst/>
+                        <a:latin typeface="Calibri" panose="020F0502020204030204" pitchFamily="34" charset="0"/>
+                      </a:endParaRPr>
+                    </a:p>
+                  </a:txBody>
+                  <a:tcPr marL="6447" marR="6447" marT="6447" marB="0" anchor="b"/>
+                </a:tc>
+                <a:extLst>
+                  <a:ext uri="{0D108BD9-81ED-4DB2-BD59-A6C34878D82A}">
+                    <a16:rowId xmlns:a16="http://schemas.microsoft.com/office/drawing/2014/main" val="116020733"/>
+                  </a:ext>
+                </a:extLst>
+              </a:tr>
+              <a:tr h="364860">
+                <a:tc>
+                  <a:txBody>
+                    <a:bodyPr/>
+                    <a:lstStyle/>
+                    <a:p>
+                      <a:pPr algn="ctr" fontAlgn="b"/>
+                      <a:r>
+                        <a:rPr lang="es-PE" sz="1200" u="none" strike="noStrike">
+                          <a:effectLst/>
+                        </a:rPr>
+                        <a:t>24</a:t>
+                      </a:r>
+                      <a:endParaRPr lang="es-PE" sz="1200" b="0" i="0" u="none" strike="noStrike">
+                        <a:solidFill>
+                          <a:srgbClr val="000000"/>
+                        </a:solidFill>
+                        <a:effectLst/>
+                        <a:latin typeface="Calibri" panose="020F0502020204030204" pitchFamily="34" charset="0"/>
+                      </a:endParaRPr>
+                    </a:p>
+                  </a:txBody>
+                  <a:tcPr marL="6447" marR="6447" marT="6447" marB="0" anchor="b"/>
+                </a:tc>
+                <a:tc>
+                  <a:txBody>
+                    <a:bodyPr/>
+                    <a:lstStyle/>
+                    <a:p>
+                      <a:pPr algn="l" fontAlgn="b"/>
+                      <a:r>
+                        <a:rPr lang="es-PE" sz="1200" u="none" strike="noStrike">
+                          <a:effectLst/>
+                        </a:rPr>
+                        <a:t> </a:t>
+                      </a:r>
+                      <a:endParaRPr lang="es-PE" sz="1200" b="0" i="0" u="none" strike="noStrike">
+                        <a:solidFill>
+                          <a:srgbClr val="000000"/>
+                        </a:solidFill>
+                        <a:effectLst/>
+                        <a:latin typeface="Calibri" panose="020F0502020204030204" pitchFamily="34" charset="0"/>
+                      </a:endParaRPr>
+                    </a:p>
+                  </a:txBody>
+                  <a:tcPr marL="6447" marR="6447" marT="6447" marB="0" anchor="b"/>
+                </a:tc>
+                <a:tc>
+                  <a:txBody>
+                    <a:bodyPr/>
+                    <a:lstStyle/>
+                    <a:p>
+                      <a:pPr algn="l" fontAlgn="b"/>
+                      <a:r>
+                        <a:rPr lang="es-MX" sz="1100" u="none" strike="noStrike">
+                          <a:effectLst/>
+                        </a:rPr>
+                        <a:t>"MANTENIMIENTO DEL LOCAL DE LA SUB REGIÓN ANTABAMBA - APURÍMAC"</a:t>
+                      </a:r>
+                      <a:endParaRPr lang="es-MX" sz="1100" b="0" i="0" u="none" strike="noStrike">
+                        <a:solidFill>
+                          <a:srgbClr val="000000"/>
+                        </a:solidFill>
+                        <a:effectLst/>
+                        <a:latin typeface="Arial" panose="020B0604020202020204" pitchFamily="34" charset="0"/>
+                      </a:endParaRPr>
+                    </a:p>
+                  </a:txBody>
+                  <a:tcPr marL="6447" marR="6447" marT="6447" marB="0" anchor="b"/>
+                </a:tc>
+                <a:tc>
+                  <a:txBody>
+                    <a:bodyPr/>
+                    <a:lstStyle/>
+                    <a:p>
+                      <a:pPr algn="l" fontAlgn="ctr"/>
+                      <a:r>
+                        <a:rPr lang="es-PE" sz="1200" u="none" strike="noStrike">
+                          <a:effectLst/>
+                        </a:rPr>
+                        <a:t> </a:t>
+                      </a:r>
+                      <a:endParaRPr lang="es-PE" sz="1200" b="0" i="0" u="none" strike="noStrike">
+                        <a:solidFill>
+                          <a:srgbClr val="000000"/>
+                        </a:solidFill>
+                        <a:effectLst/>
+                        <a:latin typeface="Calibri" panose="020F0502020204030204" pitchFamily="34" charset="0"/>
+                      </a:endParaRPr>
+                    </a:p>
+                  </a:txBody>
+                  <a:tcPr marL="6447" marR="6447" marT="6447" marB="0" anchor="ctr"/>
+                </a:tc>
+                <a:tc>
+                  <a:txBody>
+                    <a:bodyPr/>
+                    <a:lstStyle/>
+                    <a:p>
+                      <a:pPr algn="l" fontAlgn="b"/>
+                      <a:r>
+                        <a:rPr lang="es-PE" sz="1200" u="none" strike="noStrike">
+                          <a:effectLst/>
+                        </a:rPr>
+                        <a:t> </a:t>
+                      </a:r>
+                      <a:endParaRPr lang="es-PE" sz="1200" b="0" i="0" u="none" strike="noStrike">
+                        <a:solidFill>
+                          <a:srgbClr val="000000"/>
+                        </a:solidFill>
+                        <a:effectLst/>
+                        <a:latin typeface="Calibri" panose="020F0502020204030204" pitchFamily="34" charset="0"/>
+                      </a:endParaRPr>
+                    </a:p>
+                  </a:txBody>
+                  <a:tcPr marL="6447" marR="6447" marT="6447" marB="0" anchor="b"/>
+                </a:tc>
+                <a:tc>
+                  <a:txBody>
+                    <a:bodyPr/>
+                    <a:lstStyle/>
+                    <a:p>
+                      <a:pPr algn="l" fontAlgn="b"/>
+                      <a:r>
+                        <a:rPr lang="es-PE" sz="1200" u="none" strike="noStrike">
+                          <a:effectLst/>
+                        </a:rPr>
+                        <a:t> </a:t>
+                      </a:r>
+                      <a:endParaRPr lang="es-PE" sz="1200" b="0" i="0" u="none" strike="noStrike">
+                        <a:solidFill>
+                          <a:srgbClr val="000000"/>
+                        </a:solidFill>
+                        <a:effectLst/>
+                        <a:latin typeface="Calibri" panose="020F0502020204030204" pitchFamily="34" charset="0"/>
+                      </a:endParaRPr>
+                    </a:p>
+                  </a:txBody>
+                  <a:tcPr marL="6447" marR="6447" marT="6447" marB="0" anchor="b"/>
+                </a:tc>
+                <a:tc>
+                  <a:txBody>
+                    <a:bodyPr/>
+                    <a:lstStyle/>
+                    <a:p>
+                      <a:pPr algn="l" fontAlgn="b"/>
+                      <a:r>
+                        <a:rPr lang="es-PE" sz="1200" u="none" strike="noStrike" dirty="0">
+                          <a:effectLst/>
+                        </a:rPr>
+                        <a:t> </a:t>
+                      </a:r>
+                      <a:endParaRPr lang="es-PE" sz="1200" b="0" i="0" u="none" strike="noStrike" dirty="0">
+                        <a:solidFill>
+                          <a:srgbClr val="000000"/>
+                        </a:solidFill>
+                        <a:effectLst/>
+                        <a:latin typeface="Calibri" panose="020F0502020204030204" pitchFamily="34" charset="0"/>
+                      </a:endParaRPr>
+                    </a:p>
+                  </a:txBody>
+                  <a:tcPr marL="6447" marR="6447" marT="6447" marB="0" anchor="b"/>
+                </a:tc>
+                <a:extLst>
+                  <a:ext uri="{0D108BD9-81ED-4DB2-BD59-A6C34878D82A}">
+                    <a16:rowId xmlns:a16="http://schemas.microsoft.com/office/drawing/2014/main" val="1302785946"/>
+                  </a:ext>
+                </a:extLst>
+              </a:tr>
+            </a:tbl>
+          </a:graphicData>
+        </a:graphic>
+      </p:graphicFrame>
+    </p:spTree>
+    <p:extLst>
+      <p:ext uri="{BB962C8B-B14F-4D97-AF65-F5344CB8AC3E}">
+        <p14:creationId xmlns:p14="http://schemas.microsoft.com/office/powerpoint/2010/main" val="3338600027"/>
+      </p:ext>
+    </p:extLst>
+  </p:cSld>
+  <p:clrMapOvr>
+    <a:masterClrMapping/>
+  </p:clrMapOvr>
+  <mc:AlternateContent xmlns:mc="http://schemas.openxmlformats.org/markup-compatibility/2006" xmlns:p15="http://schemas.microsoft.com/office/powerpoint/2012/main">
+    <mc:Choice Requires="p15">
+      <p:transition xmlns:p14="http://schemas.microsoft.com/office/powerpoint/2010/main" spd="slow" p14:dur="1250">
+        <p15:prstTrans prst="pageCurlDouble"/>
+      </p:transition>
+    </mc:Choice>
+    <mc:Fallback xmlns="">
+      <p:transition spd="slow">
+        <p:fade/>
+      </p:transition>
+    </mc:Fallback>
+  </mc:AlternateContent>
+</p:sld>
+</file>
+
+<file path=ppt/slides/slide13.xml><?xml version="1.0" encoding="utf-8"?>
+<p:sld xmlns:a="http://schemas.openxmlformats.org/drawingml/2006/main" xmlns:r="http://schemas.openxmlformats.org/officeDocument/2006/relationships" xmlns:p="http://schemas.openxmlformats.org/presentationml/2006/main">
+  <p:cSld>
+    <p:spTree>
+      <p:nvGrpSpPr>
+        <p:cNvPr id="1" name="Shape 94"/>
+        <p:cNvGrpSpPr/>
+        <p:nvPr/>
+      </p:nvGrpSpPr>
+      <p:grpSpPr>
+        <a:xfrm>
+          <a:off x="0" y="0"/>
+          <a:ext cx="0" cy="0"/>
+          <a:chOff x="0" y="0"/>
+          <a:chExt cx="0" cy="0"/>
+        </a:xfrm>
+      </p:grpSpPr>
+      <p:sp>
+        <p:nvSpPr>
+          <p:cNvPr id="99" name="Google Shape;99;p13"/>
+          <p:cNvSpPr txBox="1">
+            <a:spLocks noGrp="1"/>
+          </p:cNvSpPr>
+          <p:nvPr>
+            <p:ph type="sldNum" idx="12"/>
+          </p:nvPr>
+        </p:nvSpPr>
+        <p:spPr>
+          <a:prstGeom prst="rect">
+            <a:avLst/>
+          </a:prstGeom>
+        </p:spPr>
+        <p:txBody>
+          <a:bodyPr spcFirstLastPara="1" vert="horz" wrap="square" lIns="0" tIns="0" rIns="0" bIns="0" rtlCol="0" anchor="ctr" anchorCtr="0">
+            <a:noAutofit/>
+          </a:bodyPr>
+          <a:lstStyle/>
+          <a:p>
+            <a:fld id="{00000000-1234-1234-1234-123412341234}" type="slidenum">
+              <a:rPr lang="en"/>
+              <a:pPr/>
+              <a:t>13</a:t>
             </a:fld>
             <a:endParaRPr/>
           </a:p>
@@ -12983,7 +14643,7 @@
 </p:sld>
 </file>
 
-<file path=ppt/slides/slide13.xml><?xml version="1.0" encoding="utf-8"?>
+<file path=ppt/slides/slide14.xml><?xml version="1.0" encoding="utf-8"?>
 <p:sld xmlns:a="http://schemas.openxmlformats.org/drawingml/2006/main" xmlns:r="http://schemas.openxmlformats.org/officeDocument/2006/relationships" xmlns:p="http://schemas.openxmlformats.org/presentationml/2006/main">
   <p:cSld>
     <p:spTree>
